--- a/graduation_thesis/BIT-thesis-template-grd/figures/c4/c4.pptx
+++ b/graduation_thesis/BIT-thesis-template-grd/figures/c4/c4.pptx
@@ -1,11 +1,11 @@
 
 <file path=ppt/presentation.xml><?xml version="1.0" encoding="utf-8"?>
-<p:presentation xmlns:a="http://schemas.openxmlformats.org/drawingml/2006/main" xmlns:r="http://schemas.openxmlformats.org/officeDocument/2006/relationships" xmlns:p="http://schemas.openxmlformats.org/presentationml/2006/main" saveSubsetFonts="1">
+<p:presentation xmlns:a="http://schemas.openxmlformats.org/drawingml/2006/main" xmlns:r="http://schemas.openxmlformats.org/officeDocument/2006/relationships" xmlns:p="http://schemas.openxmlformats.org/presentationml/2006/main">
   <p:sldMasterIdLst>
     <p:sldMasterId id="2147483648" r:id="rId1"/>
   </p:sldMasterIdLst>
   <p:sldIdLst>
-    <p:sldId id="256" r:id="rId2"/>
+    <p:sldId id="256" r:id="rId3"/>
   </p:sldIdLst>
   <p:sldSz cx="12192000" cy="6858000"/>
   <p:notesSz cx="6858000" cy="9144000"/>
@@ -126,13 +126,7 @@
       </p:grpSpPr>
       <p:sp>
         <p:nvSpPr>
-          <p:cNvPr id="2" name="标题 1">
-            <a:extLst>
-              <a:ext uri="{FF2B5EF4-FFF2-40B4-BE49-F238E27FC236}">
-                <a16:creationId xmlns:a16="http://schemas.microsoft.com/office/drawing/2014/main" id="{BF37D6CA-6E5A-4000-BE69-2E9F0F9B0904}"/>
-              </a:ext>
-            </a:extLst>
-          </p:cNvPr>
+          <p:cNvPr id="2" name="标题 1"/>
           <p:cNvSpPr>
             <a:spLocks noGrp="1"/>
           </p:cNvSpPr>
@@ -158,18 +152,13 @@
               <a:rPr lang="zh-CN" altLang="en-US"/>
               <a:t>单击此处编辑母版标题样式</a:t>
             </a:r>
-          </a:p>
-        </p:txBody>
-      </p:sp>
-      <p:sp>
-        <p:nvSpPr>
-          <p:cNvPr id="3" name="副标题 2">
-            <a:extLst>
-              <a:ext uri="{FF2B5EF4-FFF2-40B4-BE49-F238E27FC236}">
-                <a16:creationId xmlns:a16="http://schemas.microsoft.com/office/drawing/2014/main" id="{220B4650-9C5F-46C7-BE15-660DDDF1F574}"/>
-              </a:ext>
-            </a:extLst>
-          </p:cNvPr>
+            <a:endParaRPr lang="zh-CN" altLang="en-US"/>
+          </a:p>
+        </p:txBody>
+      </p:sp>
+      <p:sp>
+        <p:nvSpPr>
+          <p:cNvPr id="3" name="副标题 2"/>
           <p:cNvSpPr>
             <a:spLocks noGrp="1"/>
           </p:cNvSpPr>
@@ -228,18 +217,13 @@
               <a:rPr lang="zh-CN" altLang="en-US"/>
               <a:t>单击此处编辑母版副标题样式</a:t>
             </a:r>
-          </a:p>
-        </p:txBody>
-      </p:sp>
-      <p:sp>
-        <p:nvSpPr>
-          <p:cNvPr id="4" name="日期占位符 3">
-            <a:extLst>
-              <a:ext uri="{FF2B5EF4-FFF2-40B4-BE49-F238E27FC236}">
-                <a16:creationId xmlns:a16="http://schemas.microsoft.com/office/drawing/2014/main" id="{017514FF-B830-4FF2-8881-0952F7186DE8}"/>
-              </a:ext>
-            </a:extLst>
-          </p:cNvPr>
+            <a:endParaRPr lang="zh-CN" altLang="en-US"/>
+          </a:p>
+        </p:txBody>
+      </p:sp>
+      <p:sp>
+        <p:nvSpPr>
+          <p:cNvPr id="4" name="日期占位符 3"/>
           <p:cNvSpPr>
             <a:spLocks noGrp="1"/>
           </p:cNvSpPr>
@@ -254,7 +238,6 @@
           <a:p>
             <a:fld id="{648283BF-D07E-4268-AD41-E2A23B7C6AA4}" type="datetimeFigureOut">
               <a:rPr lang="zh-CN" altLang="en-US" smtClean="0"/>
-              <a:t>2020/4/3</a:t>
             </a:fld>
             <a:endParaRPr lang="zh-CN" altLang="en-US"/>
           </a:p>
@@ -262,13 +245,7 @@
       </p:sp>
       <p:sp>
         <p:nvSpPr>
-          <p:cNvPr id="5" name="页脚占位符 4">
-            <a:extLst>
-              <a:ext uri="{FF2B5EF4-FFF2-40B4-BE49-F238E27FC236}">
-                <a16:creationId xmlns:a16="http://schemas.microsoft.com/office/drawing/2014/main" id="{21BA1E64-A776-4CE6-8C72-7B31A1A4B667}"/>
-              </a:ext>
-            </a:extLst>
-          </p:cNvPr>
+          <p:cNvPr id="5" name="页脚占位符 4"/>
           <p:cNvSpPr>
             <a:spLocks noGrp="1"/>
           </p:cNvSpPr>
@@ -287,13 +264,7 @@
       </p:sp>
       <p:sp>
         <p:nvSpPr>
-          <p:cNvPr id="6" name="灯片编号占位符 5">
-            <a:extLst>
-              <a:ext uri="{FF2B5EF4-FFF2-40B4-BE49-F238E27FC236}">
-                <a16:creationId xmlns:a16="http://schemas.microsoft.com/office/drawing/2014/main" id="{6941CEA9-98D8-4D43-8BC7-B82C14D69D89}"/>
-              </a:ext>
-            </a:extLst>
-          </p:cNvPr>
+          <p:cNvPr id="6" name="灯片编号占位符 5"/>
           <p:cNvSpPr>
             <a:spLocks noGrp="1"/>
           </p:cNvSpPr>
@@ -308,18 +279,12 @@
           <a:p>
             <a:fld id="{D850DF63-7A21-4723-B08D-05FB12BE7CA6}" type="slidenum">
               <a:rPr lang="zh-CN" altLang="en-US" smtClean="0"/>
-              <a:t>‹#›</a:t>
             </a:fld>
             <a:endParaRPr lang="zh-CN" altLang="en-US"/>
           </a:p>
         </p:txBody>
       </p:sp>
     </p:spTree>
-    <p:extLst>
-      <p:ext uri="{BB962C8B-B14F-4D97-AF65-F5344CB8AC3E}">
-        <p14:creationId xmlns:p14="http://schemas.microsoft.com/office/powerpoint/2010/main" val="1835511183"/>
-      </p:ext>
-    </p:extLst>
   </p:cSld>
   <p:clrMapOvr>
     <a:masterClrMapping/>
@@ -346,13 +311,7 @@
       </p:grpSpPr>
       <p:sp>
         <p:nvSpPr>
-          <p:cNvPr id="2" name="标题 1">
-            <a:extLst>
-              <a:ext uri="{FF2B5EF4-FFF2-40B4-BE49-F238E27FC236}">
-                <a16:creationId xmlns:a16="http://schemas.microsoft.com/office/drawing/2014/main" id="{001F9358-7FE9-4E1A-81D2-7C9E8ADC93F1}"/>
-              </a:ext>
-            </a:extLst>
-          </p:cNvPr>
+          <p:cNvPr id="2" name="标题 1"/>
           <p:cNvSpPr>
             <a:spLocks noGrp="1"/>
           </p:cNvSpPr>
@@ -369,18 +328,13 @@
               <a:rPr lang="zh-CN" altLang="en-US"/>
               <a:t>单击此处编辑母版标题样式</a:t>
             </a:r>
-          </a:p>
-        </p:txBody>
-      </p:sp>
-      <p:sp>
-        <p:nvSpPr>
-          <p:cNvPr id="3" name="竖排文字占位符 2">
-            <a:extLst>
-              <a:ext uri="{FF2B5EF4-FFF2-40B4-BE49-F238E27FC236}">
-                <a16:creationId xmlns:a16="http://schemas.microsoft.com/office/drawing/2014/main" id="{00CE6B62-F895-407D-8C36-C57A916B97C9}"/>
-              </a:ext>
-            </a:extLst>
-          </p:cNvPr>
+            <a:endParaRPr lang="zh-CN" altLang="en-US"/>
+          </a:p>
+        </p:txBody>
+      </p:sp>
+      <p:sp>
+        <p:nvSpPr>
+          <p:cNvPr id="3" name="竖排文字占位符 2"/>
           <p:cNvSpPr>
             <a:spLocks noGrp="1"/>
           </p:cNvSpPr>
@@ -398,6 +352,7 @@
               <a:rPr lang="zh-CN" altLang="en-US"/>
               <a:t>单击此处编辑母版文本样式</a:t>
             </a:r>
+            <a:endParaRPr lang="zh-CN" altLang="en-US"/>
           </a:p>
           <a:p>
             <a:pPr lvl="1"/>
@@ -405,6 +360,7 @@
               <a:rPr lang="zh-CN" altLang="en-US"/>
               <a:t>二级</a:t>
             </a:r>
+            <a:endParaRPr lang="zh-CN" altLang="en-US"/>
           </a:p>
           <a:p>
             <a:pPr lvl="2"/>
@@ -412,6 +368,7 @@
               <a:rPr lang="zh-CN" altLang="en-US"/>
               <a:t>三级</a:t>
             </a:r>
+            <a:endParaRPr lang="zh-CN" altLang="en-US"/>
           </a:p>
           <a:p>
             <a:pPr lvl="3"/>
@@ -419,6 +376,7 @@
               <a:rPr lang="zh-CN" altLang="en-US"/>
               <a:t>四级</a:t>
             </a:r>
+            <a:endParaRPr lang="zh-CN" altLang="en-US"/>
           </a:p>
           <a:p>
             <a:pPr lvl="4"/>
@@ -426,18 +384,13 @@
               <a:rPr lang="zh-CN" altLang="en-US"/>
               <a:t>五级</a:t>
             </a:r>
-          </a:p>
-        </p:txBody>
-      </p:sp>
-      <p:sp>
-        <p:nvSpPr>
-          <p:cNvPr id="4" name="日期占位符 3">
-            <a:extLst>
-              <a:ext uri="{FF2B5EF4-FFF2-40B4-BE49-F238E27FC236}">
-                <a16:creationId xmlns:a16="http://schemas.microsoft.com/office/drawing/2014/main" id="{0E1E4823-2D7F-4A66-AFFC-832DF62D473C}"/>
-              </a:ext>
-            </a:extLst>
-          </p:cNvPr>
+            <a:endParaRPr lang="zh-CN" altLang="en-US"/>
+          </a:p>
+        </p:txBody>
+      </p:sp>
+      <p:sp>
+        <p:nvSpPr>
+          <p:cNvPr id="4" name="日期占位符 3"/>
           <p:cNvSpPr>
             <a:spLocks noGrp="1"/>
           </p:cNvSpPr>
@@ -452,7 +405,6 @@
           <a:p>
             <a:fld id="{648283BF-D07E-4268-AD41-E2A23B7C6AA4}" type="datetimeFigureOut">
               <a:rPr lang="zh-CN" altLang="en-US" smtClean="0"/>
-              <a:t>2020/4/3</a:t>
             </a:fld>
             <a:endParaRPr lang="zh-CN" altLang="en-US"/>
           </a:p>
@@ -460,13 +412,7 @@
       </p:sp>
       <p:sp>
         <p:nvSpPr>
-          <p:cNvPr id="5" name="页脚占位符 4">
-            <a:extLst>
-              <a:ext uri="{FF2B5EF4-FFF2-40B4-BE49-F238E27FC236}">
-                <a16:creationId xmlns:a16="http://schemas.microsoft.com/office/drawing/2014/main" id="{76B034B3-715B-4899-A98F-323801B28896}"/>
-              </a:ext>
-            </a:extLst>
-          </p:cNvPr>
+          <p:cNvPr id="5" name="页脚占位符 4"/>
           <p:cNvSpPr>
             <a:spLocks noGrp="1"/>
           </p:cNvSpPr>
@@ -485,13 +431,7 @@
       </p:sp>
       <p:sp>
         <p:nvSpPr>
-          <p:cNvPr id="6" name="灯片编号占位符 5">
-            <a:extLst>
-              <a:ext uri="{FF2B5EF4-FFF2-40B4-BE49-F238E27FC236}">
-                <a16:creationId xmlns:a16="http://schemas.microsoft.com/office/drawing/2014/main" id="{9CCDF780-4F9A-493A-8975-3E3C2D967502}"/>
-              </a:ext>
-            </a:extLst>
-          </p:cNvPr>
+          <p:cNvPr id="6" name="灯片编号占位符 5"/>
           <p:cNvSpPr>
             <a:spLocks noGrp="1"/>
           </p:cNvSpPr>
@@ -506,18 +446,12 @@
           <a:p>
             <a:fld id="{D850DF63-7A21-4723-B08D-05FB12BE7CA6}" type="slidenum">
               <a:rPr lang="zh-CN" altLang="en-US" smtClean="0"/>
-              <a:t>‹#›</a:t>
             </a:fld>
             <a:endParaRPr lang="zh-CN" altLang="en-US"/>
           </a:p>
         </p:txBody>
       </p:sp>
     </p:spTree>
-    <p:extLst>
-      <p:ext uri="{BB962C8B-B14F-4D97-AF65-F5344CB8AC3E}">
-        <p14:creationId xmlns:p14="http://schemas.microsoft.com/office/powerpoint/2010/main" val="1181757850"/>
-      </p:ext>
-    </p:extLst>
   </p:cSld>
   <p:clrMapOvr>
     <a:masterClrMapping/>
@@ -544,13 +478,7 @@
       </p:grpSpPr>
       <p:sp>
         <p:nvSpPr>
-          <p:cNvPr id="2" name="竖排标题 1">
-            <a:extLst>
-              <a:ext uri="{FF2B5EF4-FFF2-40B4-BE49-F238E27FC236}">
-                <a16:creationId xmlns:a16="http://schemas.microsoft.com/office/drawing/2014/main" id="{2051002D-339F-4847-A156-0C7943E9EAB6}"/>
-              </a:ext>
-            </a:extLst>
-          </p:cNvPr>
+          <p:cNvPr id="2" name="竖排标题 1"/>
           <p:cNvSpPr>
             <a:spLocks noGrp="1"/>
           </p:cNvSpPr>
@@ -572,18 +500,13 @@
               <a:rPr lang="zh-CN" altLang="en-US"/>
               <a:t>单击此处编辑母版标题样式</a:t>
             </a:r>
-          </a:p>
-        </p:txBody>
-      </p:sp>
-      <p:sp>
-        <p:nvSpPr>
-          <p:cNvPr id="3" name="竖排文字占位符 2">
-            <a:extLst>
-              <a:ext uri="{FF2B5EF4-FFF2-40B4-BE49-F238E27FC236}">
-                <a16:creationId xmlns:a16="http://schemas.microsoft.com/office/drawing/2014/main" id="{685F9D7E-359B-4AEB-AEB1-BC2CE42FC1F9}"/>
-              </a:ext>
-            </a:extLst>
-          </p:cNvPr>
+            <a:endParaRPr lang="zh-CN" altLang="en-US"/>
+          </a:p>
+        </p:txBody>
+      </p:sp>
+      <p:sp>
+        <p:nvSpPr>
+          <p:cNvPr id="3" name="竖排文字占位符 2"/>
           <p:cNvSpPr>
             <a:spLocks noGrp="1"/>
           </p:cNvSpPr>
@@ -606,6 +529,7 @@
               <a:rPr lang="zh-CN" altLang="en-US"/>
               <a:t>单击此处编辑母版文本样式</a:t>
             </a:r>
+            <a:endParaRPr lang="zh-CN" altLang="en-US"/>
           </a:p>
           <a:p>
             <a:pPr lvl="1"/>
@@ -613,6 +537,7 @@
               <a:rPr lang="zh-CN" altLang="en-US"/>
               <a:t>二级</a:t>
             </a:r>
+            <a:endParaRPr lang="zh-CN" altLang="en-US"/>
           </a:p>
           <a:p>
             <a:pPr lvl="2"/>
@@ -620,6 +545,7 @@
               <a:rPr lang="zh-CN" altLang="en-US"/>
               <a:t>三级</a:t>
             </a:r>
+            <a:endParaRPr lang="zh-CN" altLang="en-US"/>
           </a:p>
           <a:p>
             <a:pPr lvl="3"/>
@@ -627,6 +553,7 @@
               <a:rPr lang="zh-CN" altLang="en-US"/>
               <a:t>四级</a:t>
             </a:r>
+            <a:endParaRPr lang="zh-CN" altLang="en-US"/>
           </a:p>
           <a:p>
             <a:pPr lvl="4"/>
@@ -634,18 +561,13 @@
               <a:rPr lang="zh-CN" altLang="en-US"/>
               <a:t>五级</a:t>
             </a:r>
-          </a:p>
-        </p:txBody>
-      </p:sp>
-      <p:sp>
-        <p:nvSpPr>
-          <p:cNvPr id="4" name="日期占位符 3">
-            <a:extLst>
-              <a:ext uri="{FF2B5EF4-FFF2-40B4-BE49-F238E27FC236}">
-                <a16:creationId xmlns:a16="http://schemas.microsoft.com/office/drawing/2014/main" id="{7A988DCF-0AE5-404A-B97A-BAECECA9C389}"/>
-              </a:ext>
-            </a:extLst>
-          </p:cNvPr>
+            <a:endParaRPr lang="zh-CN" altLang="en-US"/>
+          </a:p>
+        </p:txBody>
+      </p:sp>
+      <p:sp>
+        <p:nvSpPr>
+          <p:cNvPr id="4" name="日期占位符 3"/>
           <p:cNvSpPr>
             <a:spLocks noGrp="1"/>
           </p:cNvSpPr>
@@ -660,7 +582,6 @@
           <a:p>
             <a:fld id="{648283BF-D07E-4268-AD41-E2A23B7C6AA4}" type="datetimeFigureOut">
               <a:rPr lang="zh-CN" altLang="en-US" smtClean="0"/>
-              <a:t>2020/4/3</a:t>
             </a:fld>
             <a:endParaRPr lang="zh-CN" altLang="en-US"/>
           </a:p>
@@ -668,13 +589,7 @@
       </p:sp>
       <p:sp>
         <p:nvSpPr>
-          <p:cNvPr id="5" name="页脚占位符 4">
-            <a:extLst>
-              <a:ext uri="{FF2B5EF4-FFF2-40B4-BE49-F238E27FC236}">
-                <a16:creationId xmlns:a16="http://schemas.microsoft.com/office/drawing/2014/main" id="{27C34E91-2D8B-4A7E-A550-80C30B5AF43B}"/>
-              </a:ext>
-            </a:extLst>
-          </p:cNvPr>
+          <p:cNvPr id="5" name="页脚占位符 4"/>
           <p:cNvSpPr>
             <a:spLocks noGrp="1"/>
           </p:cNvSpPr>
@@ -693,13 +608,7 @@
       </p:sp>
       <p:sp>
         <p:nvSpPr>
-          <p:cNvPr id="6" name="灯片编号占位符 5">
-            <a:extLst>
-              <a:ext uri="{FF2B5EF4-FFF2-40B4-BE49-F238E27FC236}">
-                <a16:creationId xmlns:a16="http://schemas.microsoft.com/office/drawing/2014/main" id="{629CABE6-4AF7-4A6F-948A-FF9C2F781275}"/>
-              </a:ext>
-            </a:extLst>
-          </p:cNvPr>
+          <p:cNvPr id="6" name="灯片编号占位符 5"/>
           <p:cNvSpPr>
             <a:spLocks noGrp="1"/>
           </p:cNvSpPr>
@@ -714,18 +623,12 @@
           <a:p>
             <a:fld id="{D850DF63-7A21-4723-B08D-05FB12BE7CA6}" type="slidenum">
               <a:rPr lang="zh-CN" altLang="en-US" smtClean="0"/>
-              <a:t>‹#›</a:t>
             </a:fld>
             <a:endParaRPr lang="zh-CN" altLang="en-US"/>
           </a:p>
         </p:txBody>
       </p:sp>
     </p:spTree>
-    <p:extLst>
-      <p:ext uri="{BB962C8B-B14F-4D97-AF65-F5344CB8AC3E}">
-        <p14:creationId xmlns:p14="http://schemas.microsoft.com/office/powerpoint/2010/main" val="2847415040"/>
-      </p:ext>
-    </p:extLst>
   </p:cSld>
   <p:clrMapOvr>
     <a:masterClrMapping/>
@@ -752,13 +655,7 @@
       </p:grpSpPr>
       <p:sp>
         <p:nvSpPr>
-          <p:cNvPr id="2" name="标题 1">
-            <a:extLst>
-              <a:ext uri="{FF2B5EF4-FFF2-40B4-BE49-F238E27FC236}">
-                <a16:creationId xmlns:a16="http://schemas.microsoft.com/office/drawing/2014/main" id="{E091046C-7B67-433C-AC11-0B93AE4CB30A}"/>
-              </a:ext>
-            </a:extLst>
-          </p:cNvPr>
+          <p:cNvPr id="2" name="标题 1"/>
           <p:cNvSpPr>
             <a:spLocks noGrp="1"/>
           </p:cNvSpPr>
@@ -775,18 +672,13 @@
               <a:rPr lang="zh-CN" altLang="en-US"/>
               <a:t>单击此处编辑母版标题样式</a:t>
             </a:r>
-          </a:p>
-        </p:txBody>
-      </p:sp>
-      <p:sp>
-        <p:nvSpPr>
-          <p:cNvPr id="3" name="内容占位符 2">
-            <a:extLst>
-              <a:ext uri="{FF2B5EF4-FFF2-40B4-BE49-F238E27FC236}">
-                <a16:creationId xmlns:a16="http://schemas.microsoft.com/office/drawing/2014/main" id="{EA963914-0BF0-4E63-A1B0-BF4342707011}"/>
-              </a:ext>
-            </a:extLst>
-          </p:cNvPr>
+            <a:endParaRPr lang="zh-CN" altLang="en-US"/>
+          </a:p>
+        </p:txBody>
+      </p:sp>
+      <p:sp>
+        <p:nvSpPr>
+          <p:cNvPr id="3" name="内容占位符 2"/>
           <p:cNvSpPr>
             <a:spLocks noGrp="1"/>
           </p:cNvSpPr>
@@ -804,6 +696,7 @@
               <a:rPr lang="zh-CN" altLang="en-US"/>
               <a:t>单击此处编辑母版文本样式</a:t>
             </a:r>
+            <a:endParaRPr lang="zh-CN" altLang="en-US"/>
           </a:p>
           <a:p>
             <a:pPr lvl="1"/>
@@ -811,6 +704,7 @@
               <a:rPr lang="zh-CN" altLang="en-US"/>
               <a:t>二级</a:t>
             </a:r>
+            <a:endParaRPr lang="zh-CN" altLang="en-US"/>
           </a:p>
           <a:p>
             <a:pPr lvl="2"/>
@@ -818,6 +712,7 @@
               <a:rPr lang="zh-CN" altLang="en-US"/>
               <a:t>三级</a:t>
             </a:r>
+            <a:endParaRPr lang="zh-CN" altLang="en-US"/>
           </a:p>
           <a:p>
             <a:pPr lvl="3"/>
@@ -825,6 +720,7 @@
               <a:rPr lang="zh-CN" altLang="en-US"/>
               <a:t>四级</a:t>
             </a:r>
+            <a:endParaRPr lang="zh-CN" altLang="en-US"/>
           </a:p>
           <a:p>
             <a:pPr lvl="4"/>
@@ -832,18 +728,13 @@
               <a:rPr lang="zh-CN" altLang="en-US"/>
               <a:t>五级</a:t>
             </a:r>
-          </a:p>
-        </p:txBody>
-      </p:sp>
-      <p:sp>
-        <p:nvSpPr>
-          <p:cNvPr id="4" name="日期占位符 3">
-            <a:extLst>
-              <a:ext uri="{FF2B5EF4-FFF2-40B4-BE49-F238E27FC236}">
-                <a16:creationId xmlns:a16="http://schemas.microsoft.com/office/drawing/2014/main" id="{883C7F1E-857E-4DD9-8856-2CB485B9C6F5}"/>
-              </a:ext>
-            </a:extLst>
-          </p:cNvPr>
+            <a:endParaRPr lang="zh-CN" altLang="en-US"/>
+          </a:p>
+        </p:txBody>
+      </p:sp>
+      <p:sp>
+        <p:nvSpPr>
+          <p:cNvPr id="4" name="日期占位符 3"/>
           <p:cNvSpPr>
             <a:spLocks noGrp="1"/>
           </p:cNvSpPr>
@@ -858,7 +749,6 @@
           <a:p>
             <a:fld id="{648283BF-D07E-4268-AD41-E2A23B7C6AA4}" type="datetimeFigureOut">
               <a:rPr lang="zh-CN" altLang="en-US" smtClean="0"/>
-              <a:t>2020/4/3</a:t>
             </a:fld>
             <a:endParaRPr lang="zh-CN" altLang="en-US"/>
           </a:p>
@@ -866,13 +756,7 @@
       </p:sp>
       <p:sp>
         <p:nvSpPr>
-          <p:cNvPr id="5" name="页脚占位符 4">
-            <a:extLst>
-              <a:ext uri="{FF2B5EF4-FFF2-40B4-BE49-F238E27FC236}">
-                <a16:creationId xmlns:a16="http://schemas.microsoft.com/office/drawing/2014/main" id="{482EF19D-8930-4C3C-9D93-033A9B9FD7E2}"/>
-              </a:ext>
-            </a:extLst>
-          </p:cNvPr>
+          <p:cNvPr id="5" name="页脚占位符 4"/>
           <p:cNvSpPr>
             <a:spLocks noGrp="1"/>
           </p:cNvSpPr>
@@ -891,13 +775,7 @@
       </p:sp>
       <p:sp>
         <p:nvSpPr>
-          <p:cNvPr id="6" name="灯片编号占位符 5">
-            <a:extLst>
-              <a:ext uri="{FF2B5EF4-FFF2-40B4-BE49-F238E27FC236}">
-                <a16:creationId xmlns:a16="http://schemas.microsoft.com/office/drawing/2014/main" id="{6D8235D2-2B9A-4988-AFEB-6A82B677C170}"/>
-              </a:ext>
-            </a:extLst>
-          </p:cNvPr>
+          <p:cNvPr id="6" name="灯片编号占位符 5"/>
           <p:cNvSpPr>
             <a:spLocks noGrp="1"/>
           </p:cNvSpPr>
@@ -912,18 +790,12 @@
           <a:p>
             <a:fld id="{D850DF63-7A21-4723-B08D-05FB12BE7CA6}" type="slidenum">
               <a:rPr lang="zh-CN" altLang="en-US" smtClean="0"/>
-              <a:t>‹#›</a:t>
             </a:fld>
             <a:endParaRPr lang="zh-CN" altLang="en-US"/>
           </a:p>
         </p:txBody>
       </p:sp>
     </p:spTree>
-    <p:extLst>
-      <p:ext uri="{BB962C8B-B14F-4D97-AF65-F5344CB8AC3E}">
-        <p14:creationId xmlns:p14="http://schemas.microsoft.com/office/powerpoint/2010/main" val="242739868"/>
-      </p:ext>
-    </p:extLst>
   </p:cSld>
   <p:clrMapOvr>
     <a:masterClrMapping/>
@@ -950,13 +822,7 @@
       </p:grpSpPr>
       <p:sp>
         <p:nvSpPr>
-          <p:cNvPr id="2" name="标题 1">
-            <a:extLst>
-              <a:ext uri="{FF2B5EF4-FFF2-40B4-BE49-F238E27FC236}">
-                <a16:creationId xmlns:a16="http://schemas.microsoft.com/office/drawing/2014/main" id="{80CCF6B0-C194-44F8-8601-C78A270174FC}"/>
-              </a:ext>
-            </a:extLst>
-          </p:cNvPr>
+          <p:cNvPr id="2" name="标题 1"/>
           <p:cNvSpPr>
             <a:spLocks noGrp="1"/>
           </p:cNvSpPr>
@@ -982,18 +848,13 @@
               <a:rPr lang="zh-CN" altLang="en-US"/>
               <a:t>单击此处编辑母版标题样式</a:t>
             </a:r>
-          </a:p>
-        </p:txBody>
-      </p:sp>
-      <p:sp>
-        <p:nvSpPr>
-          <p:cNvPr id="3" name="文本占位符 2">
-            <a:extLst>
-              <a:ext uri="{FF2B5EF4-FFF2-40B4-BE49-F238E27FC236}">
-                <a16:creationId xmlns:a16="http://schemas.microsoft.com/office/drawing/2014/main" id="{189173A3-CE42-40E1-B14D-341975E3F8F1}"/>
-              </a:ext>
-            </a:extLst>
-          </p:cNvPr>
+            <a:endParaRPr lang="zh-CN" altLang="en-US"/>
+          </a:p>
+        </p:txBody>
+      </p:sp>
+      <p:sp>
+        <p:nvSpPr>
+          <p:cNvPr id="3" name="文本占位符 2"/>
           <p:cNvSpPr>
             <a:spLocks noGrp="1"/>
           </p:cNvSpPr>
@@ -1107,18 +968,13 @@
               <a:rPr lang="zh-CN" altLang="en-US"/>
               <a:t>单击此处编辑母版文本样式</a:t>
             </a:r>
-          </a:p>
-        </p:txBody>
-      </p:sp>
-      <p:sp>
-        <p:nvSpPr>
-          <p:cNvPr id="4" name="日期占位符 3">
-            <a:extLst>
-              <a:ext uri="{FF2B5EF4-FFF2-40B4-BE49-F238E27FC236}">
-                <a16:creationId xmlns:a16="http://schemas.microsoft.com/office/drawing/2014/main" id="{4E504CC0-9AF9-4801-AB4E-28E43922F116}"/>
-              </a:ext>
-            </a:extLst>
-          </p:cNvPr>
+            <a:endParaRPr lang="zh-CN" altLang="en-US"/>
+          </a:p>
+        </p:txBody>
+      </p:sp>
+      <p:sp>
+        <p:nvSpPr>
+          <p:cNvPr id="4" name="日期占位符 3"/>
           <p:cNvSpPr>
             <a:spLocks noGrp="1"/>
           </p:cNvSpPr>
@@ -1133,7 +989,6 @@
           <a:p>
             <a:fld id="{648283BF-D07E-4268-AD41-E2A23B7C6AA4}" type="datetimeFigureOut">
               <a:rPr lang="zh-CN" altLang="en-US" smtClean="0"/>
-              <a:t>2020/4/3</a:t>
             </a:fld>
             <a:endParaRPr lang="zh-CN" altLang="en-US"/>
           </a:p>
@@ -1141,13 +996,7 @@
       </p:sp>
       <p:sp>
         <p:nvSpPr>
-          <p:cNvPr id="5" name="页脚占位符 4">
-            <a:extLst>
-              <a:ext uri="{FF2B5EF4-FFF2-40B4-BE49-F238E27FC236}">
-                <a16:creationId xmlns:a16="http://schemas.microsoft.com/office/drawing/2014/main" id="{91F72B4A-478F-411C-9E74-4B6B5F8FF088}"/>
-              </a:ext>
-            </a:extLst>
-          </p:cNvPr>
+          <p:cNvPr id="5" name="页脚占位符 4"/>
           <p:cNvSpPr>
             <a:spLocks noGrp="1"/>
           </p:cNvSpPr>
@@ -1166,13 +1015,7 @@
       </p:sp>
       <p:sp>
         <p:nvSpPr>
-          <p:cNvPr id="6" name="灯片编号占位符 5">
-            <a:extLst>
-              <a:ext uri="{FF2B5EF4-FFF2-40B4-BE49-F238E27FC236}">
-                <a16:creationId xmlns:a16="http://schemas.microsoft.com/office/drawing/2014/main" id="{3EDDF48F-91F1-4769-9ACD-7E9BFDE1B29D}"/>
-              </a:ext>
-            </a:extLst>
-          </p:cNvPr>
+          <p:cNvPr id="6" name="灯片编号占位符 5"/>
           <p:cNvSpPr>
             <a:spLocks noGrp="1"/>
           </p:cNvSpPr>
@@ -1187,18 +1030,12 @@
           <a:p>
             <a:fld id="{D850DF63-7A21-4723-B08D-05FB12BE7CA6}" type="slidenum">
               <a:rPr lang="zh-CN" altLang="en-US" smtClean="0"/>
-              <a:t>‹#›</a:t>
             </a:fld>
             <a:endParaRPr lang="zh-CN" altLang="en-US"/>
           </a:p>
         </p:txBody>
       </p:sp>
     </p:spTree>
-    <p:extLst>
-      <p:ext uri="{BB962C8B-B14F-4D97-AF65-F5344CB8AC3E}">
-        <p14:creationId xmlns:p14="http://schemas.microsoft.com/office/powerpoint/2010/main" val="1010357528"/>
-      </p:ext>
-    </p:extLst>
   </p:cSld>
   <p:clrMapOvr>
     <a:masterClrMapping/>
@@ -1225,13 +1062,7 @@
       </p:grpSpPr>
       <p:sp>
         <p:nvSpPr>
-          <p:cNvPr id="2" name="标题 1">
-            <a:extLst>
-              <a:ext uri="{FF2B5EF4-FFF2-40B4-BE49-F238E27FC236}">
-                <a16:creationId xmlns:a16="http://schemas.microsoft.com/office/drawing/2014/main" id="{EA0764D8-BFC8-4A7F-B4F5-F6D0C254602B}"/>
-              </a:ext>
-            </a:extLst>
-          </p:cNvPr>
+          <p:cNvPr id="2" name="标题 1"/>
           <p:cNvSpPr>
             <a:spLocks noGrp="1"/>
           </p:cNvSpPr>
@@ -1248,18 +1079,13 @@
               <a:rPr lang="zh-CN" altLang="en-US"/>
               <a:t>单击此处编辑母版标题样式</a:t>
             </a:r>
-          </a:p>
-        </p:txBody>
-      </p:sp>
-      <p:sp>
-        <p:nvSpPr>
-          <p:cNvPr id="3" name="内容占位符 2">
-            <a:extLst>
-              <a:ext uri="{FF2B5EF4-FFF2-40B4-BE49-F238E27FC236}">
-                <a16:creationId xmlns:a16="http://schemas.microsoft.com/office/drawing/2014/main" id="{CB1EFCBF-EDCA-4C56-9985-64229189D8BF}"/>
-              </a:ext>
-            </a:extLst>
-          </p:cNvPr>
+            <a:endParaRPr lang="zh-CN" altLang="en-US"/>
+          </a:p>
+        </p:txBody>
+      </p:sp>
+      <p:sp>
+        <p:nvSpPr>
+          <p:cNvPr id="3" name="内容占位符 2"/>
           <p:cNvSpPr>
             <a:spLocks noGrp="1"/>
           </p:cNvSpPr>
@@ -1282,6 +1108,7 @@
               <a:rPr lang="zh-CN" altLang="en-US"/>
               <a:t>单击此处编辑母版文本样式</a:t>
             </a:r>
+            <a:endParaRPr lang="zh-CN" altLang="en-US"/>
           </a:p>
           <a:p>
             <a:pPr lvl="1"/>
@@ -1289,6 +1116,7 @@
               <a:rPr lang="zh-CN" altLang="en-US"/>
               <a:t>二级</a:t>
             </a:r>
+            <a:endParaRPr lang="zh-CN" altLang="en-US"/>
           </a:p>
           <a:p>
             <a:pPr lvl="2"/>
@@ -1296,6 +1124,7 @@
               <a:rPr lang="zh-CN" altLang="en-US"/>
               <a:t>三级</a:t>
             </a:r>
+            <a:endParaRPr lang="zh-CN" altLang="en-US"/>
           </a:p>
           <a:p>
             <a:pPr lvl="3"/>
@@ -1303,6 +1132,7 @@
               <a:rPr lang="zh-CN" altLang="en-US"/>
               <a:t>四级</a:t>
             </a:r>
+            <a:endParaRPr lang="zh-CN" altLang="en-US"/>
           </a:p>
           <a:p>
             <a:pPr lvl="4"/>
@@ -1310,18 +1140,13 @@
               <a:rPr lang="zh-CN" altLang="en-US"/>
               <a:t>五级</a:t>
             </a:r>
-          </a:p>
-        </p:txBody>
-      </p:sp>
-      <p:sp>
-        <p:nvSpPr>
-          <p:cNvPr id="4" name="内容占位符 3">
-            <a:extLst>
-              <a:ext uri="{FF2B5EF4-FFF2-40B4-BE49-F238E27FC236}">
-                <a16:creationId xmlns:a16="http://schemas.microsoft.com/office/drawing/2014/main" id="{74714BA4-9655-4E3E-9273-55DF6C8A9DDF}"/>
-              </a:ext>
-            </a:extLst>
-          </p:cNvPr>
+            <a:endParaRPr lang="zh-CN" altLang="en-US"/>
+          </a:p>
+        </p:txBody>
+      </p:sp>
+      <p:sp>
+        <p:nvSpPr>
+          <p:cNvPr id="4" name="内容占位符 3"/>
           <p:cNvSpPr>
             <a:spLocks noGrp="1"/>
           </p:cNvSpPr>
@@ -1344,6 +1169,7 @@
               <a:rPr lang="zh-CN" altLang="en-US"/>
               <a:t>单击此处编辑母版文本样式</a:t>
             </a:r>
+            <a:endParaRPr lang="zh-CN" altLang="en-US"/>
           </a:p>
           <a:p>
             <a:pPr lvl="1"/>
@@ -1351,6 +1177,7 @@
               <a:rPr lang="zh-CN" altLang="en-US"/>
               <a:t>二级</a:t>
             </a:r>
+            <a:endParaRPr lang="zh-CN" altLang="en-US"/>
           </a:p>
           <a:p>
             <a:pPr lvl="2"/>
@@ -1358,6 +1185,7 @@
               <a:rPr lang="zh-CN" altLang="en-US"/>
               <a:t>三级</a:t>
             </a:r>
+            <a:endParaRPr lang="zh-CN" altLang="en-US"/>
           </a:p>
           <a:p>
             <a:pPr lvl="3"/>
@@ -1365,6 +1193,7 @@
               <a:rPr lang="zh-CN" altLang="en-US"/>
               <a:t>四级</a:t>
             </a:r>
+            <a:endParaRPr lang="zh-CN" altLang="en-US"/>
           </a:p>
           <a:p>
             <a:pPr lvl="4"/>
@@ -1372,18 +1201,13 @@
               <a:rPr lang="zh-CN" altLang="en-US"/>
               <a:t>五级</a:t>
             </a:r>
-          </a:p>
-        </p:txBody>
-      </p:sp>
-      <p:sp>
-        <p:nvSpPr>
-          <p:cNvPr id="5" name="日期占位符 4">
-            <a:extLst>
-              <a:ext uri="{FF2B5EF4-FFF2-40B4-BE49-F238E27FC236}">
-                <a16:creationId xmlns:a16="http://schemas.microsoft.com/office/drawing/2014/main" id="{EC4495E1-8F51-49FE-B528-9C4A9AA1A92A}"/>
-              </a:ext>
-            </a:extLst>
-          </p:cNvPr>
+            <a:endParaRPr lang="zh-CN" altLang="en-US"/>
+          </a:p>
+        </p:txBody>
+      </p:sp>
+      <p:sp>
+        <p:nvSpPr>
+          <p:cNvPr id="5" name="日期占位符 4"/>
           <p:cNvSpPr>
             <a:spLocks noGrp="1"/>
           </p:cNvSpPr>
@@ -1398,7 +1222,6 @@
           <a:p>
             <a:fld id="{648283BF-D07E-4268-AD41-E2A23B7C6AA4}" type="datetimeFigureOut">
               <a:rPr lang="zh-CN" altLang="en-US" smtClean="0"/>
-              <a:t>2020/4/3</a:t>
             </a:fld>
             <a:endParaRPr lang="zh-CN" altLang="en-US"/>
           </a:p>
@@ -1406,13 +1229,7 @@
       </p:sp>
       <p:sp>
         <p:nvSpPr>
-          <p:cNvPr id="6" name="页脚占位符 5">
-            <a:extLst>
-              <a:ext uri="{FF2B5EF4-FFF2-40B4-BE49-F238E27FC236}">
-                <a16:creationId xmlns:a16="http://schemas.microsoft.com/office/drawing/2014/main" id="{E6B38E36-71B5-4BAA-B1C9-5C7DC2F4D564}"/>
-              </a:ext>
-            </a:extLst>
-          </p:cNvPr>
+          <p:cNvPr id="6" name="页脚占位符 5"/>
           <p:cNvSpPr>
             <a:spLocks noGrp="1"/>
           </p:cNvSpPr>
@@ -1431,13 +1248,7 @@
       </p:sp>
       <p:sp>
         <p:nvSpPr>
-          <p:cNvPr id="7" name="灯片编号占位符 6">
-            <a:extLst>
-              <a:ext uri="{FF2B5EF4-FFF2-40B4-BE49-F238E27FC236}">
-                <a16:creationId xmlns:a16="http://schemas.microsoft.com/office/drawing/2014/main" id="{F74F8B53-0683-4DD0-A881-4C84AC4231F5}"/>
-              </a:ext>
-            </a:extLst>
-          </p:cNvPr>
+          <p:cNvPr id="7" name="灯片编号占位符 6"/>
           <p:cNvSpPr>
             <a:spLocks noGrp="1"/>
           </p:cNvSpPr>
@@ -1452,18 +1263,12 @@
           <a:p>
             <a:fld id="{D850DF63-7A21-4723-B08D-05FB12BE7CA6}" type="slidenum">
               <a:rPr lang="zh-CN" altLang="en-US" smtClean="0"/>
-              <a:t>‹#›</a:t>
             </a:fld>
             <a:endParaRPr lang="zh-CN" altLang="en-US"/>
           </a:p>
         </p:txBody>
       </p:sp>
     </p:spTree>
-    <p:extLst>
-      <p:ext uri="{BB962C8B-B14F-4D97-AF65-F5344CB8AC3E}">
-        <p14:creationId xmlns:p14="http://schemas.microsoft.com/office/powerpoint/2010/main" val="2297479951"/>
-      </p:ext>
-    </p:extLst>
   </p:cSld>
   <p:clrMapOvr>
     <a:masterClrMapping/>
@@ -1490,13 +1295,7 @@
       </p:grpSpPr>
       <p:sp>
         <p:nvSpPr>
-          <p:cNvPr id="2" name="标题 1">
-            <a:extLst>
-              <a:ext uri="{FF2B5EF4-FFF2-40B4-BE49-F238E27FC236}">
-                <a16:creationId xmlns:a16="http://schemas.microsoft.com/office/drawing/2014/main" id="{737F30CB-239F-4207-A60B-8742BB82B302}"/>
-              </a:ext>
-            </a:extLst>
-          </p:cNvPr>
+          <p:cNvPr id="2" name="标题 1"/>
           <p:cNvSpPr>
             <a:spLocks noGrp="1"/>
           </p:cNvSpPr>
@@ -1518,18 +1317,13 @@
               <a:rPr lang="zh-CN" altLang="en-US"/>
               <a:t>单击此处编辑母版标题样式</a:t>
             </a:r>
-          </a:p>
-        </p:txBody>
-      </p:sp>
-      <p:sp>
-        <p:nvSpPr>
-          <p:cNvPr id="3" name="文本占位符 2">
-            <a:extLst>
-              <a:ext uri="{FF2B5EF4-FFF2-40B4-BE49-F238E27FC236}">
-                <a16:creationId xmlns:a16="http://schemas.microsoft.com/office/drawing/2014/main" id="{A4CD076E-7B71-4294-9E45-8E34270AC0F5}"/>
-              </a:ext>
-            </a:extLst>
-          </p:cNvPr>
+            <a:endParaRPr lang="zh-CN" altLang="en-US"/>
+          </a:p>
+        </p:txBody>
+      </p:sp>
+      <p:sp>
+        <p:nvSpPr>
+          <p:cNvPr id="3" name="文本占位符 2"/>
           <p:cNvSpPr>
             <a:spLocks noGrp="1"/>
           </p:cNvSpPr>
@@ -1589,18 +1383,13 @@
               <a:rPr lang="zh-CN" altLang="en-US"/>
               <a:t>单击此处编辑母版文本样式</a:t>
             </a:r>
-          </a:p>
-        </p:txBody>
-      </p:sp>
-      <p:sp>
-        <p:nvSpPr>
-          <p:cNvPr id="4" name="内容占位符 3">
-            <a:extLst>
-              <a:ext uri="{FF2B5EF4-FFF2-40B4-BE49-F238E27FC236}">
-                <a16:creationId xmlns:a16="http://schemas.microsoft.com/office/drawing/2014/main" id="{CB566476-6965-45F1-ADC2-BEF3DC143313}"/>
-              </a:ext>
-            </a:extLst>
-          </p:cNvPr>
+            <a:endParaRPr lang="zh-CN" altLang="en-US"/>
+          </a:p>
+        </p:txBody>
+      </p:sp>
+      <p:sp>
+        <p:nvSpPr>
+          <p:cNvPr id="4" name="内容占位符 3"/>
           <p:cNvSpPr>
             <a:spLocks noGrp="1"/>
           </p:cNvSpPr>
@@ -1623,6 +1412,7 @@
               <a:rPr lang="zh-CN" altLang="en-US"/>
               <a:t>单击此处编辑母版文本样式</a:t>
             </a:r>
+            <a:endParaRPr lang="zh-CN" altLang="en-US"/>
           </a:p>
           <a:p>
             <a:pPr lvl="1"/>
@@ -1630,6 +1420,7 @@
               <a:rPr lang="zh-CN" altLang="en-US"/>
               <a:t>二级</a:t>
             </a:r>
+            <a:endParaRPr lang="zh-CN" altLang="en-US"/>
           </a:p>
           <a:p>
             <a:pPr lvl="2"/>
@@ -1637,6 +1428,7 @@
               <a:rPr lang="zh-CN" altLang="en-US"/>
               <a:t>三级</a:t>
             </a:r>
+            <a:endParaRPr lang="zh-CN" altLang="en-US"/>
           </a:p>
           <a:p>
             <a:pPr lvl="3"/>
@@ -1644,6 +1436,7 @@
               <a:rPr lang="zh-CN" altLang="en-US"/>
               <a:t>四级</a:t>
             </a:r>
+            <a:endParaRPr lang="zh-CN" altLang="en-US"/>
           </a:p>
           <a:p>
             <a:pPr lvl="4"/>
@@ -1651,18 +1444,13 @@
               <a:rPr lang="zh-CN" altLang="en-US"/>
               <a:t>五级</a:t>
             </a:r>
-          </a:p>
-        </p:txBody>
-      </p:sp>
-      <p:sp>
-        <p:nvSpPr>
-          <p:cNvPr id="5" name="文本占位符 4">
-            <a:extLst>
-              <a:ext uri="{FF2B5EF4-FFF2-40B4-BE49-F238E27FC236}">
-                <a16:creationId xmlns:a16="http://schemas.microsoft.com/office/drawing/2014/main" id="{5A1A7E28-0416-4F58-950F-28C58D47DE00}"/>
-              </a:ext>
-            </a:extLst>
-          </p:cNvPr>
+            <a:endParaRPr lang="zh-CN" altLang="en-US"/>
+          </a:p>
+        </p:txBody>
+      </p:sp>
+      <p:sp>
+        <p:nvSpPr>
+          <p:cNvPr id="5" name="文本占位符 4"/>
           <p:cNvSpPr>
             <a:spLocks noGrp="1"/>
           </p:cNvSpPr>
@@ -1722,18 +1510,13 @@
               <a:rPr lang="zh-CN" altLang="en-US"/>
               <a:t>单击此处编辑母版文本样式</a:t>
             </a:r>
-          </a:p>
-        </p:txBody>
-      </p:sp>
-      <p:sp>
-        <p:nvSpPr>
-          <p:cNvPr id="6" name="内容占位符 5">
-            <a:extLst>
-              <a:ext uri="{FF2B5EF4-FFF2-40B4-BE49-F238E27FC236}">
-                <a16:creationId xmlns:a16="http://schemas.microsoft.com/office/drawing/2014/main" id="{A4DEB790-76C0-4FC1-9283-101D8C1DF1AE}"/>
-              </a:ext>
-            </a:extLst>
-          </p:cNvPr>
+            <a:endParaRPr lang="zh-CN" altLang="en-US"/>
+          </a:p>
+        </p:txBody>
+      </p:sp>
+      <p:sp>
+        <p:nvSpPr>
+          <p:cNvPr id="6" name="内容占位符 5"/>
           <p:cNvSpPr>
             <a:spLocks noGrp="1"/>
           </p:cNvSpPr>
@@ -1756,6 +1539,7 @@
               <a:rPr lang="zh-CN" altLang="en-US"/>
               <a:t>单击此处编辑母版文本样式</a:t>
             </a:r>
+            <a:endParaRPr lang="zh-CN" altLang="en-US"/>
           </a:p>
           <a:p>
             <a:pPr lvl="1"/>
@@ -1763,6 +1547,7 @@
               <a:rPr lang="zh-CN" altLang="en-US"/>
               <a:t>二级</a:t>
             </a:r>
+            <a:endParaRPr lang="zh-CN" altLang="en-US"/>
           </a:p>
           <a:p>
             <a:pPr lvl="2"/>
@@ -1770,6 +1555,7 @@
               <a:rPr lang="zh-CN" altLang="en-US"/>
               <a:t>三级</a:t>
             </a:r>
+            <a:endParaRPr lang="zh-CN" altLang="en-US"/>
           </a:p>
           <a:p>
             <a:pPr lvl="3"/>
@@ -1777,6 +1563,7 @@
               <a:rPr lang="zh-CN" altLang="en-US"/>
               <a:t>四级</a:t>
             </a:r>
+            <a:endParaRPr lang="zh-CN" altLang="en-US"/>
           </a:p>
           <a:p>
             <a:pPr lvl="4"/>
@@ -1784,18 +1571,13 @@
               <a:rPr lang="zh-CN" altLang="en-US"/>
               <a:t>五级</a:t>
             </a:r>
-          </a:p>
-        </p:txBody>
-      </p:sp>
-      <p:sp>
-        <p:nvSpPr>
-          <p:cNvPr id="7" name="日期占位符 6">
-            <a:extLst>
-              <a:ext uri="{FF2B5EF4-FFF2-40B4-BE49-F238E27FC236}">
-                <a16:creationId xmlns:a16="http://schemas.microsoft.com/office/drawing/2014/main" id="{BC0E5CA0-163F-4D3C-93D7-61E65823A048}"/>
-              </a:ext>
-            </a:extLst>
-          </p:cNvPr>
+            <a:endParaRPr lang="zh-CN" altLang="en-US"/>
+          </a:p>
+        </p:txBody>
+      </p:sp>
+      <p:sp>
+        <p:nvSpPr>
+          <p:cNvPr id="7" name="日期占位符 6"/>
           <p:cNvSpPr>
             <a:spLocks noGrp="1"/>
           </p:cNvSpPr>
@@ -1810,7 +1592,6 @@
           <a:p>
             <a:fld id="{648283BF-D07E-4268-AD41-E2A23B7C6AA4}" type="datetimeFigureOut">
               <a:rPr lang="zh-CN" altLang="en-US" smtClean="0"/>
-              <a:t>2020/4/3</a:t>
             </a:fld>
             <a:endParaRPr lang="zh-CN" altLang="en-US"/>
           </a:p>
@@ -1818,13 +1599,7 @@
       </p:sp>
       <p:sp>
         <p:nvSpPr>
-          <p:cNvPr id="8" name="页脚占位符 7">
-            <a:extLst>
-              <a:ext uri="{FF2B5EF4-FFF2-40B4-BE49-F238E27FC236}">
-                <a16:creationId xmlns:a16="http://schemas.microsoft.com/office/drawing/2014/main" id="{AF7983CA-B87A-4D1C-9ADC-B4F2F01FBCC7}"/>
-              </a:ext>
-            </a:extLst>
-          </p:cNvPr>
+          <p:cNvPr id="8" name="页脚占位符 7"/>
           <p:cNvSpPr>
             <a:spLocks noGrp="1"/>
           </p:cNvSpPr>
@@ -1843,13 +1618,7 @@
       </p:sp>
       <p:sp>
         <p:nvSpPr>
-          <p:cNvPr id="9" name="灯片编号占位符 8">
-            <a:extLst>
-              <a:ext uri="{FF2B5EF4-FFF2-40B4-BE49-F238E27FC236}">
-                <a16:creationId xmlns:a16="http://schemas.microsoft.com/office/drawing/2014/main" id="{7F51043C-55A2-40CD-B700-EA0904589B6A}"/>
-              </a:ext>
-            </a:extLst>
-          </p:cNvPr>
+          <p:cNvPr id="9" name="灯片编号占位符 8"/>
           <p:cNvSpPr>
             <a:spLocks noGrp="1"/>
           </p:cNvSpPr>
@@ -1864,18 +1633,12 @@
           <a:p>
             <a:fld id="{D850DF63-7A21-4723-B08D-05FB12BE7CA6}" type="slidenum">
               <a:rPr lang="zh-CN" altLang="en-US" smtClean="0"/>
-              <a:t>‹#›</a:t>
             </a:fld>
             <a:endParaRPr lang="zh-CN" altLang="en-US"/>
           </a:p>
         </p:txBody>
       </p:sp>
     </p:spTree>
-    <p:extLst>
-      <p:ext uri="{BB962C8B-B14F-4D97-AF65-F5344CB8AC3E}">
-        <p14:creationId xmlns:p14="http://schemas.microsoft.com/office/powerpoint/2010/main" val="3182149539"/>
-      </p:ext>
-    </p:extLst>
   </p:cSld>
   <p:clrMapOvr>
     <a:masterClrMapping/>
@@ -1902,13 +1665,7 @@
       </p:grpSpPr>
       <p:sp>
         <p:nvSpPr>
-          <p:cNvPr id="2" name="标题 1">
-            <a:extLst>
-              <a:ext uri="{FF2B5EF4-FFF2-40B4-BE49-F238E27FC236}">
-                <a16:creationId xmlns:a16="http://schemas.microsoft.com/office/drawing/2014/main" id="{E99FCBE1-8AA4-4636-B826-1881CBDC076E}"/>
-              </a:ext>
-            </a:extLst>
-          </p:cNvPr>
+          <p:cNvPr id="2" name="标题 1"/>
           <p:cNvSpPr>
             <a:spLocks noGrp="1"/>
           </p:cNvSpPr>
@@ -1925,18 +1682,13 @@
               <a:rPr lang="zh-CN" altLang="en-US"/>
               <a:t>单击此处编辑母版标题样式</a:t>
             </a:r>
-          </a:p>
-        </p:txBody>
-      </p:sp>
-      <p:sp>
-        <p:nvSpPr>
-          <p:cNvPr id="3" name="日期占位符 2">
-            <a:extLst>
-              <a:ext uri="{FF2B5EF4-FFF2-40B4-BE49-F238E27FC236}">
-                <a16:creationId xmlns:a16="http://schemas.microsoft.com/office/drawing/2014/main" id="{E2DA9910-0CAF-4340-8284-FEE9A0ECF4F2}"/>
-              </a:ext>
-            </a:extLst>
-          </p:cNvPr>
+            <a:endParaRPr lang="zh-CN" altLang="en-US"/>
+          </a:p>
+        </p:txBody>
+      </p:sp>
+      <p:sp>
+        <p:nvSpPr>
+          <p:cNvPr id="3" name="日期占位符 2"/>
           <p:cNvSpPr>
             <a:spLocks noGrp="1"/>
           </p:cNvSpPr>
@@ -1951,7 +1703,6 @@
           <a:p>
             <a:fld id="{648283BF-D07E-4268-AD41-E2A23B7C6AA4}" type="datetimeFigureOut">
               <a:rPr lang="zh-CN" altLang="en-US" smtClean="0"/>
-              <a:t>2020/4/3</a:t>
             </a:fld>
             <a:endParaRPr lang="zh-CN" altLang="en-US"/>
           </a:p>
@@ -1959,13 +1710,7 @@
       </p:sp>
       <p:sp>
         <p:nvSpPr>
-          <p:cNvPr id="4" name="页脚占位符 3">
-            <a:extLst>
-              <a:ext uri="{FF2B5EF4-FFF2-40B4-BE49-F238E27FC236}">
-                <a16:creationId xmlns:a16="http://schemas.microsoft.com/office/drawing/2014/main" id="{868099F1-E9F6-4E80-ABD5-72DB7F9E22F6}"/>
-              </a:ext>
-            </a:extLst>
-          </p:cNvPr>
+          <p:cNvPr id="4" name="页脚占位符 3"/>
           <p:cNvSpPr>
             <a:spLocks noGrp="1"/>
           </p:cNvSpPr>
@@ -1984,13 +1729,7 @@
       </p:sp>
       <p:sp>
         <p:nvSpPr>
-          <p:cNvPr id="5" name="灯片编号占位符 4">
-            <a:extLst>
-              <a:ext uri="{FF2B5EF4-FFF2-40B4-BE49-F238E27FC236}">
-                <a16:creationId xmlns:a16="http://schemas.microsoft.com/office/drawing/2014/main" id="{67329EC7-BFB6-4A6E-9CA7-A783812F3661}"/>
-              </a:ext>
-            </a:extLst>
-          </p:cNvPr>
+          <p:cNvPr id="5" name="灯片编号占位符 4"/>
           <p:cNvSpPr>
             <a:spLocks noGrp="1"/>
           </p:cNvSpPr>
@@ -2005,18 +1744,12 @@
           <a:p>
             <a:fld id="{D850DF63-7A21-4723-B08D-05FB12BE7CA6}" type="slidenum">
               <a:rPr lang="zh-CN" altLang="en-US" smtClean="0"/>
-              <a:t>‹#›</a:t>
             </a:fld>
             <a:endParaRPr lang="zh-CN" altLang="en-US"/>
           </a:p>
         </p:txBody>
       </p:sp>
     </p:spTree>
-    <p:extLst>
-      <p:ext uri="{BB962C8B-B14F-4D97-AF65-F5344CB8AC3E}">
-        <p14:creationId xmlns:p14="http://schemas.microsoft.com/office/powerpoint/2010/main" val="411142351"/>
-      </p:ext>
-    </p:extLst>
   </p:cSld>
   <p:clrMapOvr>
     <a:masterClrMapping/>
@@ -2043,13 +1776,7 @@
       </p:grpSpPr>
       <p:sp>
         <p:nvSpPr>
-          <p:cNvPr id="2" name="日期占位符 1">
-            <a:extLst>
-              <a:ext uri="{FF2B5EF4-FFF2-40B4-BE49-F238E27FC236}">
-                <a16:creationId xmlns:a16="http://schemas.microsoft.com/office/drawing/2014/main" id="{030A35CE-25A5-47FA-AC57-BFFC41816C8D}"/>
-              </a:ext>
-            </a:extLst>
-          </p:cNvPr>
+          <p:cNvPr id="2" name="日期占位符 1"/>
           <p:cNvSpPr>
             <a:spLocks noGrp="1"/>
           </p:cNvSpPr>
@@ -2064,7 +1791,6 @@
           <a:p>
             <a:fld id="{648283BF-D07E-4268-AD41-E2A23B7C6AA4}" type="datetimeFigureOut">
               <a:rPr lang="zh-CN" altLang="en-US" smtClean="0"/>
-              <a:t>2020/4/3</a:t>
             </a:fld>
             <a:endParaRPr lang="zh-CN" altLang="en-US"/>
           </a:p>
@@ -2072,13 +1798,7 @@
       </p:sp>
       <p:sp>
         <p:nvSpPr>
-          <p:cNvPr id="3" name="页脚占位符 2">
-            <a:extLst>
-              <a:ext uri="{FF2B5EF4-FFF2-40B4-BE49-F238E27FC236}">
-                <a16:creationId xmlns:a16="http://schemas.microsoft.com/office/drawing/2014/main" id="{D81ED415-02C4-414C-B2D0-2ACDBA23FFCB}"/>
-              </a:ext>
-            </a:extLst>
-          </p:cNvPr>
+          <p:cNvPr id="3" name="页脚占位符 2"/>
           <p:cNvSpPr>
             <a:spLocks noGrp="1"/>
           </p:cNvSpPr>
@@ -2097,13 +1817,7 @@
       </p:sp>
       <p:sp>
         <p:nvSpPr>
-          <p:cNvPr id="4" name="灯片编号占位符 3">
-            <a:extLst>
-              <a:ext uri="{FF2B5EF4-FFF2-40B4-BE49-F238E27FC236}">
-                <a16:creationId xmlns:a16="http://schemas.microsoft.com/office/drawing/2014/main" id="{CE810EC5-4498-451C-B299-371022D1DA98}"/>
-              </a:ext>
-            </a:extLst>
-          </p:cNvPr>
+          <p:cNvPr id="4" name="灯片编号占位符 3"/>
           <p:cNvSpPr>
             <a:spLocks noGrp="1"/>
           </p:cNvSpPr>
@@ -2118,18 +1832,12 @@
           <a:p>
             <a:fld id="{D850DF63-7A21-4723-B08D-05FB12BE7CA6}" type="slidenum">
               <a:rPr lang="zh-CN" altLang="en-US" smtClean="0"/>
-              <a:t>‹#›</a:t>
             </a:fld>
             <a:endParaRPr lang="zh-CN" altLang="en-US"/>
           </a:p>
         </p:txBody>
       </p:sp>
     </p:spTree>
-    <p:extLst>
-      <p:ext uri="{BB962C8B-B14F-4D97-AF65-F5344CB8AC3E}">
-        <p14:creationId xmlns:p14="http://schemas.microsoft.com/office/powerpoint/2010/main" val="1536377864"/>
-      </p:ext>
-    </p:extLst>
   </p:cSld>
   <p:clrMapOvr>
     <a:masterClrMapping/>
@@ -2156,13 +1864,7 @@
       </p:grpSpPr>
       <p:sp>
         <p:nvSpPr>
-          <p:cNvPr id="2" name="标题 1">
-            <a:extLst>
-              <a:ext uri="{FF2B5EF4-FFF2-40B4-BE49-F238E27FC236}">
-                <a16:creationId xmlns:a16="http://schemas.microsoft.com/office/drawing/2014/main" id="{2DAD8171-F0F7-4736-BCB5-3F9FCEA24F17}"/>
-              </a:ext>
-            </a:extLst>
-          </p:cNvPr>
+          <p:cNvPr id="2" name="标题 1"/>
           <p:cNvSpPr>
             <a:spLocks noGrp="1"/>
           </p:cNvSpPr>
@@ -2188,18 +1890,13 @@
               <a:rPr lang="zh-CN" altLang="en-US"/>
               <a:t>单击此处编辑母版标题样式</a:t>
             </a:r>
-          </a:p>
-        </p:txBody>
-      </p:sp>
-      <p:sp>
-        <p:nvSpPr>
-          <p:cNvPr id="3" name="内容占位符 2">
-            <a:extLst>
-              <a:ext uri="{FF2B5EF4-FFF2-40B4-BE49-F238E27FC236}">
-                <a16:creationId xmlns:a16="http://schemas.microsoft.com/office/drawing/2014/main" id="{CD4BB3C9-F389-4CE0-8757-D196A89CFB55}"/>
-              </a:ext>
-            </a:extLst>
-          </p:cNvPr>
+            <a:endParaRPr lang="zh-CN" altLang="en-US"/>
+          </a:p>
+        </p:txBody>
+      </p:sp>
+      <p:sp>
+        <p:nvSpPr>
+          <p:cNvPr id="3" name="内容占位符 2"/>
           <p:cNvSpPr>
             <a:spLocks noGrp="1"/>
           </p:cNvSpPr>
@@ -2250,6 +1947,7 @@
               <a:rPr lang="zh-CN" altLang="en-US"/>
               <a:t>单击此处编辑母版文本样式</a:t>
             </a:r>
+            <a:endParaRPr lang="zh-CN" altLang="en-US"/>
           </a:p>
           <a:p>
             <a:pPr lvl="1"/>
@@ -2257,6 +1955,7 @@
               <a:rPr lang="zh-CN" altLang="en-US"/>
               <a:t>二级</a:t>
             </a:r>
+            <a:endParaRPr lang="zh-CN" altLang="en-US"/>
           </a:p>
           <a:p>
             <a:pPr lvl="2"/>
@@ -2264,6 +1963,7 @@
               <a:rPr lang="zh-CN" altLang="en-US"/>
               <a:t>三级</a:t>
             </a:r>
+            <a:endParaRPr lang="zh-CN" altLang="en-US"/>
           </a:p>
           <a:p>
             <a:pPr lvl="3"/>
@@ -2271,6 +1971,7 @@
               <a:rPr lang="zh-CN" altLang="en-US"/>
               <a:t>四级</a:t>
             </a:r>
+            <a:endParaRPr lang="zh-CN" altLang="en-US"/>
           </a:p>
           <a:p>
             <a:pPr lvl="4"/>
@@ -2278,18 +1979,13 @@
               <a:rPr lang="zh-CN" altLang="en-US"/>
               <a:t>五级</a:t>
             </a:r>
-          </a:p>
-        </p:txBody>
-      </p:sp>
-      <p:sp>
-        <p:nvSpPr>
-          <p:cNvPr id="4" name="文本占位符 3">
-            <a:extLst>
-              <a:ext uri="{FF2B5EF4-FFF2-40B4-BE49-F238E27FC236}">
-                <a16:creationId xmlns:a16="http://schemas.microsoft.com/office/drawing/2014/main" id="{F661AD4A-8B3F-4C02-853C-F64BEECCD982}"/>
-              </a:ext>
-            </a:extLst>
-          </p:cNvPr>
+            <a:endParaRPr lang="zh-CN" altLang="en-US"/>
+          </a:p>
+        </p:txBody>
+      </p:sp>
+      <p:sp>
+        <p:nvSpPr>
+          <p:cNvPr id="4" name="文本占位符 3"/>
           <p:cNvSpPr>
             <a:spLocks noGrp="1"/>
           </p:cNvSpPr>
@@ -2349,18 +2045,13 @@
               <a:rPr lang="zh-CN" altLang="en-US"/>
               <a:t>单击此处编辑母版文本样式</a:t>
             </a:r>
-          </a:p>
-        </p:txBody>
-      </p:sp>
-      <p:sp>
-        <p:nvSpPr>
-          <p:cNvPr id="5" name="日期占位符 4">
-            <a:extLst>
-              <a:ext uri="{FF2B5EF4-FFF2-40B4-BE49-F238E27FC236}">
-                <a16:creationId xmlns:a16="http://schemas.microsoft.com/office/drawing/2014/main" id="{38DB88A8-0DFB-4952-9177-F9F0B7BA3CF2}"/>
-              </a:ext>
-            </a:extLst>
-          </p:cNvPr>
+            <a:endParaRPr lang="zh-CN" altLang="en-US"/>
+          </a:p>
+        </p:txBody>
+      </p:sp>
+      <p:sp>
+        <p:nvSpPr>
+          <p:cNvPr id="5" name="日期占位符 4"/>
           <p:cNvSpPr>
             <a:spLocks noGrp="1"/>
           </p:cNvSpPr>
@@ -2375,7 +2066,6 @@
           <a:p>
             <a:fld id="{648283BF-D07E-4268-AD41-E2A23B7C6AA4}" type="datetimeFigureOut">
               <a:rPr lang="zh-CN" altLang="en-US" smtClean="0"/>
-              <a:t>2020/4/3</a:t>
             </a:fld>
             <a:endParaRPr lang="zh-CN" altLang="en-US"/>
           </a:p>
@@ -2383,13 +2073,7 @@
       </p:sp>
       <p:sp>
         <p:nvSpPr>
-          <p:cNvPr id="6" name="页脚占位符 5">
-            <a:extLst>
-              <a:ext uri="{FF2B5EF4-FFF2-40B4-BE49-F238E27FC236}">
-                <a16:creationId xmlns:a16="http://schemas.microsoft.com/office/drawing/2014/main" id="{2A82710B-904D-4727-8CAA-2F8E233E8440}"/>
-              </a:ext>
-            </a:extLst>
-          </p:cNvPr>
+          <p:cNvPr id="6" name="页脚占位符 5"/>
           <p:cNvSpPr>
             <a:spLocks noGrp="1"/>
           </p:cNvSpPr>
@@ -2408,13 +2092,7 @@
       </p:sp>
       <p:sp>
         <p:nvSpPr>
-          <p:cNvPr id="7" name="灯片编号占位符 6">
-            <a:extLst>
-              <a:ext uri="{FF2B5EF4-FFF2-40B4-BE49-F238E27FC236}">
-                <a16:creationId xmlns:a16="http://schemas.microsoft.com/office/drawing/2014/main" id="{4A49E3A2-FA6E-4B86-ADDD-CF60A31126A3}"/>
-              </a:ext>
-            </a:extLst>
-          </p:cNvPr>
+          <p:cNvPr id="7" name="灯片编号占位符 6"/>
           <p:cNvSpPr>
             <a:spLocks noGrp="1"/>
           </p:cNvSpPr>
@@ -2429,18 +2107,12 @@
           <a:p>
             <a:fld id="{D850DF63-7A21-4723-B08D-05FB12BE7CA6}" type="slidenum">
               <a:rPr lang="zh-CN" altLang="en-US" smtClean="0"/>
-              <a:t>‹#›</a:t>
             </a:fld>
             <a:endParaRPr lang="zh-CN" altLang="en-US"/>
           </a:p>
         </p:txBody>
       </p:sp>
     </p:spTree>
-    <p:extLst>
-      <p:ext uri="{BB962C8B-B14F-4D97-AF65-F5344CB8AC3E}">
-        <p14:creationId xmlns:p14="http://schemas.microsoft.com/office/powerpoint/2010/main" val="1730238747"/>
-      </p:ext>
-    </p:extLst>
   </p:cSld>
   <p:clrMapOvr>
     <a:masterClrMapping/>
@@ -2467,13 +2139,7 @@
       </p:grpSpPr>
       <p:sp>
         <p:nvSpPr>
-          <p:cNvPr id="2" name="标题 1">
-            <a:extLst>
-              <a:ext uri="{FF2B5EF4-FFF2-40B4-BE49-F238E27FC236}">
-                <a16:creationId xmlns:a16="http://schemas.microsoft.com/office/drawing/2014/main" id="{DED5EDAD-0EFC-4C2E-AF45-7088674AA745}"/>
-              </a:ext>
-            </a:extLst>
-          </p:cNvPr>
+          <p:cNvPr id="2" name="标题 1"/>
           <p:cNvSpPr>
             <a:spLocks noGrp="1"/>
           </p:cNvSpPr>
@@ -2499,18 +2165,13 @@
               <a:rPr lang="zh-CN" altLang="en-US"/>
               <a:t>单击此处编辑母版标题样式</a:t>
             </a:r>
-          </a:p>
-        </p:txBody>
-      </p:sp>
-      <p:sp>
-        <p:nvSpPr>
-          <p:cNvPr id="3" name="图片占位符 2">
-            <a:extLst>
-              <a:ext uri="{FF2B5EF4-FFF2-40B4-BE49-F238E27FC236}">
-                <a16:creationId xmlns:a16="http://schemas.microsoft.com/office/drawing/2014/main" id="{890EFB38-D0CA-483E-B8B8-3D2CC9B7301A}"/>
-              </a:ext>
-            </a:extLst>
-          </p:cNvPr>
+            <a:endParaRPr lang="zh-CN" altLang="en-US"/>
+          </a:p>
+        </p:txBody>
+      </p:sp>
+      <p:sp>
+        <p:nvSpPr>
+          <p:cNvPr id="3" name="图片占位符 2"/>
           <p:cNvSpPr>
             <a:spLocks noGrp="1"/>
           </p:cNvSpPr>
@@ -2571,13 +2232,7 @@
       </p:sp>
       <p:sp>
         <p:nvSpPr>
-          <p:cNvPr id="4" name="文本占位符 3">
-            <a:extLst>
-              <a:ext uri="{FF2B5EF4-FFF2-40B4-BE49-F238E27FC236}">
-                <a16:creationId xmlns:a16="http://schemas.microsoft.com/office/drawing/2014/main" id="{57D73B8A-2E42-40AB-AA22-AC2083FBCFE7}"/>
-              </a:ext>
-            </a:extLst>
-          </p:cNvPr>
+          <p:cNvPr id="4" name="文本占位符 3"/>
           <p:cNvSpPr>
             <a:spLocks noGrp="1"/>
           </p:cNvSpPr>
@@ -2637,18 +2292,13 @@
               <a:rPr lang="zh-CN" altLang="en-US"/>
               <a:t>单击此处编辑母版文本样式</a:t>
             </a:r>
-          </a:p>
-        </p:txBody>
-      </p:sp>
-      <p:sp>
-        <p:nvSpPr>
-          <p:cNvPr id="5" name="日期占位符 4">
-            <a:extLst>
-              <a:ext uri="{FF2B5EF4-FFF2-40B4-BE49-F238E27FC236}">
-                <a16:creationId xmlns:a16="http://schemas.microsoft.com/office/drawing/2014/main" id="{9E6D82A4-5AD2-45C9-B68E-A7B076A32426}"/>
-              </a:ext>
-            </a:extLst>
-          </p:cNvPr>
+            <a:endParaRPr lang="zh-CN" altLang="en-US"/>
+          </a:p>
+        </p:txBody>
+      </p:sp>
+      <p:sp>
+        <p:nvSpPr>
+          <p:cNvPr id="5" name="日期占位符 4"/>
           <p:cNvSpPr>
             <a:spLocks noGrp="1"/>
           </p:cNvSpPr>
@@ -2663,7 +2313,6 @@
           <a:p>
             <a:fld id="{648283BF-D07E-4268-AD41-E2A23B7C6AA4}" type="datetimeFigureOut">
               <a:rPr lang="zh-CN" altLang="en-US" smtClean="0"/>
-              <a:t>2020/4/3</a:t>
             </a:fld>
             <a:endParaRPr lang="zh-CN" altLang="en-US"/>
           </a:p>
@@ -2671,13 +2320,7 @@
       </p:sp>
       <p:sp>
         <p:nvSpPr>
-          <p:cNvPr id="6" name="页脚占位符 5">
-            <a:extLst>
-              <a:ext uri="{FF2B5EF4-FFF2-40B4-BE49-F238E27FC236}">
-                <a16:creationId xmlns:a16="http://schemas.microsoft.com/office/drawing/2014/main" id="{898AFC96-55FF-48D5-9126-860CBBB22283}"/>
-              </a:ext>
-            </a:extLst>
-          </p:cNvPr>
+          <p:cNvPr id="6" name="页脚占位符 5"/>
           <p:cNvSpPr>
             <a:spLocks noGrp="1"/>
           </p:cNvSpPr>
@@ -2696,13 +2339,7 @@
       </p:sp>
       <p:sp>
         <p:nvSpPr>
-          <p:cNvPr id="7" name="灯片编号占位符 6">
-            <a:extLst>
-              <a:ext uri="{FF2B5EF4-FFF2-40B4-BE49-F238E27FC236}">
-                <a16:creationId xmlns:a16="http://schemas.microsoft.com/office/drawing/2014/main" id="{0EF2D1E6-D0C1-4894-A531-B187D595C1B0}"/>
-              </a:ext>
-            </a:extLst>
-          </p:cNvPr>
+          <p:cNvPr id="7" name="灯片编号占位符 6"/>
           <p:cNvSpPr>
             <a:spLocks noGrp="1"/>
           </p:cNvSpPr>
@@ -2717,18 +2354,12 @@
           <a:p>
             <a:fld id="{D850DF63-7A21-4723-B08D-05FB12BE7CA6}" type="slidenum">
               <a:rPr lang="zh-CN" altLang="en-US" smtClean="0"/>
-              <a:t>‹#›</a:t>
             </a:fld>
             <a:endParaRPr lang="zh-CN" altLang="en-US"/>
           </a:p>
         </p:txBody>
       </p:sp>
     </p:spTree>
-    <p:extLst>
-      <p:ext uri="{BB962C8B-B14F-4D97-AF65-F5344CB8AC3E}">
-        <p14:creationId xmlns:p14="http://schemas.microsoft.com/office/powerpoint/2010/main" val="624739205"/>
-      </p:ext>
-    </p:extLst>
   </p:cSld>
   <p:clrMapOvr>
     <a:masterClrMapping/>
@@ -2760,13 +2391,7 @@
       </p:grpSpPr>
       <p:sp>
         <p:nvSpPr>
-          <p:cNvPr id="2" name="标题占位符 1">
-            <a:extLst>
-              <a:ext uri="{FF2B5EF4-FFF2-40B4-BE49-F238E27FC236}">
-                <a16:creationId xmlns:a16="http://schemas.microsoft.com/office/drawing/2014/main" id="{934C8044-176A-4DB5-A519-DA0A313658B7}"/>
-              </a:ext>
-            </a:extLst>
-          </p:cNvPr>
+          <p:cNvPr id="2" name="标题占位符 1"/>
           <p:cNvSpPr>
             <a:spLocks noGrp="1"/>
           </p:cNvSpPr>
@@ -2793,18 +2418,13 @@
               <a:rPr lang="zh-CN" altLang="en-US"/>
               <a:t>单击此处编辑母版标题样式</a:t>
             </a:r>
-          </a:p>
-        </p:txBody>
-      </p:sp>
-      <p:sp>
-        <p:nvSpPr>
-          <p:cNvPr id="3" name="文本占位符 2">
-            <a:extLst>
-              <a:ext uri="{FF2B5EF4-FFF2-40B4-BE49-F238E27FC236}">
-                <a16:creationId xmlns:a16="http://schemas.microsoft.com/office/drawing/2014/main" id="{DC7D7B51-6A65-491A-A8C7-A6643DC14268}"/>
-              </a:ext>
-            </a:extLst>
-          </p:cNvPr>
+            <a:endParaRPr lang="zh-CN" altLang="en-US"/>
+          </a:p>
+        </p:txBody>
+      </p:sp>
+      <p:sp>
+        <p:nvSpPr>
+          <p:cNvPr id="3" name="文本占位符 2"/>
           <p:cNvSpPr>
             <a:spLocks noGrp="1"/>
           </p:cNvSpPr>
@@ -2832,6 +2452,7 @@
               <a:rPr lang="zh-CN" altLang="en-US"/>
               <a:t>单击此处编辑母版文本样式</a:t>
             </a:r>
+            <a:endParaRPr lang="zh-CN" altLang="en-US"/>
           </a:p>
           <a:p>
             <a:pPr lvl="1"/>
@@ -2839,6 +2460,7 @@
               <a:rPr lang="zh-CN" altLang="en-US"/>
               <a:t>二级</a:t>
             </a:r>
+            <a:endParaRPr lang="zh-CN" altLang="en-US"/>
           </a:p>
           <a:p>
             <a:pPr lvl="2"/>
@@ -2846,6 +2468,7 @@
               <a:rPr lang="zh-CN" altLang="en-US"/>
               <a:t>三级</a:t>
             </a:r>
+            <a:endParaRPr lang="zh-CN" altLang="en-US"/>
           </a:p>
           <a:p>
             <a:pPr lvl="3"/>
@@ -2853,6 +2476,7 @@
               <a:rPr lang="zh-CN" altLang="en-US"/>
               <a:t>四级</a:t>
             </a:r>
+            <a:endParaRPr lang="zh-CN" altLang="en-US"/>
           </a:p>
           <a:p>
             <a:pPr lvl="4"/>
@@ -2860,18 +2484,13 @@
               <a:rPr lang="zh-CN" altLang="en-US"/>
               <a:t>五级</a:t>
             </a:r>
-          </a:p>
-        </p:txBody>
-      </p:sp>
-      <p:sp>
-        <p:nvSpPr>
-          <p:cNvPr id="4" name="日期占位符 3">
-            <a:extLst>
-              <a:ext uri="{FF2B5EF4-FFF2-40B4-BE49-F238E27FC236}">
-                <a16:creationId xmlns:a16="http://schemas.microsoft.com/office/drawing/2014/main" id="{40F37558-AC5E-488E-BE9A-9570C3B62AF2}"/>
-              </a:ext>
-            </a:extLst>
-          </p:cNvPr>
+            <a:endParaRPr lang="zh-CN" altLang="en-US"/>
+          </a:p>
+        </p:txBody>
+      </p:sp>
+      <p:sp>
+        <p:nvSpPr>
+          <p:cNvPr id="4" name="日期占位符 3"/>
           <p:cNvSpPr>
             <a:spLocks noGrp="1"/>
           </p:cNvSpPr>
@@ -2904,7 +2523,6 @@
           <a:p>
             <a:fld id="{648283BF-D07E-4268-AD41-E2A23B7C6AA4}" type="datetimeFigureOut">
               <a:rPr lang="zh-CN" altLang="en-US" smtClean="0"/>
-              <a:t>2020/4/3</a:t>
             </a:fld>
             <a:endParaRPr lang="zh-CN" altLang="en-US"/>
           </a:p>
@@ -2912,13 +2530,7 @@
       </p:sp>
       <p:sp>
         <p:nvSpPr>
-          <p:cNvPr id="5" name="页脚占位符 4">
-            <a:extLst>
-              <a:ext uri="{FF2B5EF4-FFF2-40B4-BE49-F238E27FC236}">
-                <a16:creationId xmlns:a16="http://schemas.microsoft.com/office/drawing/2014/main" id="{9950FF53-E509-45CB-9EF2-D5180995A2FF}"/>
-              </a:ext>
-            </a:extLst>
-          </p:cNvPr>
+          <p:cNvPr id="5" name="页脚占位符 4"/>
           <p:cNvSpPr>
             <a:spLocks noGrp="1"/>
           </p:cNvSpPr>
@@ -2955,13 +2567,7 @@
       </p:sp>
       <p:sp>
         <p:nvSpPr>
-          <p:cNvPr id="6" name="灯片编号占位符 5">
-            <a:extLst>
-              <a:ext uri="{FF2B5EF4-FFF2-40B4-BE49-F238E27FC236}">
-                <a16:creationId xmlns:a16="http://schemas.microsoft.com/office/drawing/2014/main" id="{862606CE-D050-4A43-89B0-F1A677E0A955}"/>
-              </a:ext>
-            </a:extLst>
-          </p:cNvPr>
+          <p:cNvPr id="6" name="灯片编号占位符 5"/>
           <p:cNvSpPr>
             <a:spLocks noGrp="1"/>
           </p:cNvSpPr>
@@ -2994,18 +2600,12 @@
           <a:p>
             <a:fld id="{D850DF63-7A21-4723-B08D-05FB12BE7CA6}" type="slidenum">
               <a:rPr lang="zh-CN" altLang="en-US" smtClean="0"/>
-              <a:t>‹#›</a:t>
             </a:fld>
             <a:endParaRPr lang="zh-CN" altLang="en-US"/>
           </a:p>
         </p:txBody>
       </p:sp>
     </p:spTree>
-    <p:extLst>
-      <p:ext uri="{BB962C8B-B14F-4D97-AF65-F5344CB8AC3E}">
-        <p14:creationId xmlns:p14="http://schemas.microsoft.com/office/powerpoint/2010/main" val="3803151890"/>
-      </p:ext>
-    </p:extLst>
   </p:cSld>
   <p:clrMap bg1="lt1" tx1="dk1" bg2="lt2" tx2="dk2" accent1="accent1" accent2="accent2" accent3="accent3" accent4="accent4" accent5="accent5" accent6="accent6" hlink="hlink" folHlink="folHlink"/>
   <p:sldLayoutIdLst>
@@ -3323,13 +2923,7 @@
       </p:grpSpPr>
       <p:sp>
         <p:nvSpPr>
-          <p:cNvPr id="4" name="矩形 3">
-            <a:extLst>
-              <a:ext uri="{FF2B5EF4-FFF2-40B4-BE49-F238E27FC236}">
-                <a16:creationId xmlns:a16="http://schemas.microsoft.com/office/drawing/2014/main" id="{2655873E-2606-4B94-ABED-B6B0801C6B1A}"/>
-              </a:ext>
-            </a:extLst>
-          </p:cNvPr>
+          <p:cNvPr id="4" name="矩形 3"/>
           <p:cNvSpPr/>
           <p:nvPr/>
         </p:nvSpPr>
@@ -3383,13 +2977,7 @@
       </p:sp>
       <p:sp>
         <p:nvSpPr>
-          <p:cNvPr id="7" name="矩形 6">
-            <a:extLst>
-              <a:ext uri="{FF2B5EF4-FFF2-40B4-BE49-F238E27FC236}">
-                <a16:creationId xmlns:a16="http://schemas.microsoft.com/office/drawing/2014/main" id="{51B611E3-C4F1-43DF-9E23-494596A608AF}"/>
-              </a:ext>
-            </a:extLst>
-          </p:cNvPr>
+          <p:cNvPr id="7" name="矩形 6"/>
           <p:cNvSpPr/>
           <p:nvPr/>
         </p:nvSpPr>
@@ -3454,13 +3042,7 @@
       </p:sp>
       <p:sp>
         <p:nvSpPr>
-          <p:cNvPr id="8" name="矩形 7">
-            <a:extLst>
-              <a:ext uri="{FF2B5EF4-FFF2-40B4-BE49-F238E27FC236}">
-                <a16:creationId xmlns:a16="http://schemas.microsoft.com/office/drawing/2014/main" id="{6CC05C76-E435-4E04-A9E2-708BE5FA6EE4}"/>
-              </a:ext>
-            </a:extLst>
-          </p:cNvPr>
+          <p:cNvPr id="8" name="矩形 7"/>
           <p:cNvSpPr/>
           <p:nvPr/>
         </p:nvSpPr>
@@ -3522,13 +3104,7 @@
       </p:sp>
       <p:sp>
         <p:nvSpPr>
-          <p:cNvPr id="9" name="矩形 8">
-            <a:extLst>
-              <a:ext uri="{FF2B5EF4-FFF2-40B4-BE49-F238E27FC236}">
-                <a16:creationId xmlns:a16="http://schemas.microsoft.com/office/drawing/2014/main" id="{D48C6CCD-86B7-4BDC-9A80-906DA8560AA3}"/>
-              </a:ext>
-            </a:extLst>
-          </p:cNvPr>
+          <p:cNvPr id="9" name="矩形 8"/>
           <p:cNvSpPr/>
           <p:nvPr/>
         </p:nvSpPr>
@@ -3589,13 +3165,7 @@
       </p:sp>
       <p:sp>
         <p:nvSpPr>
-          <p:cNvPr id="10" name="矩形 9">
-            <a:extLst>
-              <a:ext uri="{FF2B5EF4-FFF2-40B4-BE49-F238E27FC236}">
-                <a16:creationId xmlns:a16="http://schemas.microsoft.com/office/drawing/2014/main" id="{750CC1CC-1138-4363-B29E-7444729ABF34}"/>
-              </a:ext>
-            </a:extLst>
-          </p:cNvPr>
+          <p:cNvPr id="10" name="矩形 9"/>
           <p:cNvSpPr/>
           <p:nvPr/>
         </p:nvSpPr>
@@ -3657,13 +3227,7 @@
       </p:sp>
       <p:sp>
         <p:nvSpPr>
-          <p:cNvPr id="11" name="矩形 10">
-            <a:extLst>
-              <a:ext uri="{FF2B5EF4-FFF2-40B4-BE49-F238E27FC236}">
-                <a16:creationId xmlns:a16="http://schemas.microsoft.com/office/drawing/2014/main" id="{E2431C62-F66F-40CE-AF1C-92A6913FF31B}"/>
-              </a:ext>
-            </a:extLst>
-          </p:cNvPr>
+          <p:cNvPr id="11" name="矩形 10"/>
           <p:cNvSpPr/>
           <p:nvPr/>
         </p:nvSpPr>
@@ -3724,16 +3288,8 @@
       </p:sp>
       <p:cxnSp>
         <p:nvCxnSpPr>
-          <p:cNvPr id="13" name="直接箭头连接符 12">
-            <a:extLst>
-              <a:ext uri="{FF2B5EF4-FFF2-40B4-BE49-F238E27FC236}">
-                <a16:creationId xmlns:a16="http://schemas.microsoft.com/office/drawing/2014/main" id="{B3E9A91B-55C8-4376-B197-BDCEB8FA104A}"/>
-              </a:ext>
-            </a:extLst>
-          </p:cNvPr>
-          <p:cNvCxnSpPr>
-            <a:cxnSpLocks/>
-          </p:cNvCxnSpPr>
+          <p:cNvPr id="13" name="直接箭头连接符 12"/>
+          <p:cNvCxnSpPr/>
           <p:nvPr/>
         </p:nvCxnSpPr>
         <p:spPr>
@@ -3766,16 +3322,8 @@
       </p:cxnSp>
       <p:cxnSp>
         <p:nvCxnSpPr>
-          <p:cNvPr id="14" name="直接箭头连接符 13">
-            <a:extLst>
-              <a:ext uri="{FF2B5EF4-FFF2-40B4-BE49-F238E27FC236}">
-                <a16:creationId xmlns:a16="http://schemas.microsoft.com/office/drawing/2014/main" id="{3E6A345B-F1D8-4897-B43B-1EC445CF3A2D}"/>
-              </a:ext>
-            </a:extLst>
-          </p:cNvPr>
-          <p:cNvCxnSpPr>
-            <a:cxnSpLocks/>
-          </p:cNvCxnSpPr>
+          <p:cNvPr id="14" name="直接箭头连接符 13"/>
+          <p:cNvCxnSpPr/>
           <p:nvPr/>
         </p:nvCxnSpPr>
         <p:spPr>
@@ -3808,16 +3356,8 @@
       </p:cxnSp>
       <p:cxnSp>
         <p:nvCxnSpPr>
-          <p:cNvPr id="17" name="直接箭头连接符 16">
-            <a:extLst>
-              <a:ext uri="{FF2B5EF4-FFF2-40B4-BE49-F238E27FC236}">
-                <a16:creationId xmlns:a16="http://schemas.microsoft.com/office/drawing/2014/main" id="{86E70CC8-5FF2-4036-91FA-EB05C7A12A29}"/>
-              </a:ext>
-            </a:extLst>
-          </p:cNvPr>
-          <p:cNvCxnSpPr>
-            <a:cxnSpLocks/>
-          </p:cNvCxnSpPr>
+          <p:cNvPr id="17" name="直接箭头连接符 16"/>
+          <p:cNvCxnSpPr/>
           <p:nvPr/>
         </p:nvCxnSpPr>
         <p:spPr>
@@ -3850,16 +3390,8 @@
       </p:cxnSp>
       <p:cxnSp>
         <p:nvCxnSpPr>
-          <p:cNvPr id="20" name="直接箭头连接符 19">
-            <a:extLst>
-              <a:ext uri="{FF2B5EF4-FFF2-40B4-BE49-F238E27FC236}">
-                <a16:creationId xmlns:a16="http://schemas.microsoft.com/office/drawing/2014/main" id="{C529476E-78B0-4668-9208-B6EF487EF7E3}"/>
-              </a:ext>
-            </a:extLst>
-          </p:cNvPr>
-          <p:cNvCxnSpPr>
-            <a:cxnSpLocks/>
-          </p:cNvCxnSpPr>
+          <p:cNvPr id="20" name="直接箭头连接符 19"/>
+          <p:cNvCxnSpPr/>
           <p:nvPr/>
         </p:nvCxnSpPr>
         <p:spPr>
@@ -3892,20 +3424,14 @@
       </p:cxnSp>
       <p:sp>
         <p:nvSpPr>
-          <p:cNvPr id="24" name="文本框 23">
-            <a:extLst>
-              <a:ext uri="{FF2B5EF4-FFF2-40B4-BE49-F238E27FC236}">
-                <a16:creationId xmlns:a16="http://schemas.microsoft.com/office/drawing/2014/main" id="{721E9668-C356-4FBD-975D-A0CA851396DF}"/>
-              </a:ext>
-            </a:extLst>
-          </p:cNvPr>
+          <p:cNvPr id="24" name="文本框 23"/>
           <p:cNvSpPr txBox="1"/>
           <p:nvPr/>
         </p:nvSpPr>
         <p:spPr>
           <a:xfrm>
             <a:off x="9472206" y="2852452"/>
-            <a:ext cx="1543171" cy="369332"/>
+            <a:ext cx="1543171" cy="368300"/>
           </a:xfrm>
           <a:prstGeom prst="rect">
             <a:avLst/>
@@ -3923,7 +3449,7 @@
                 <a:latin typeface="Times New Roman" panose="02020603050405020304" pitchFamily="18" charset="0"/>
                 <a:cs typeface="Times New Roman" panose="02020603050405020304" pitchFamily="18" charset="0"/>
               </a:rPr>
-              <a:t>plane states</a:t>
+              <a:t>UAV states</a:t>
             </a:r>
             <a:endParaRPr lang="zh-CN" altLang="en-US" dirty="0">
               <a:latin typeface="Times New Roman" panose="02020603050405020304" pitchFamily="18" charset="0"/>
@@ -3934,13 +3460,7 @@
       </p:sp>
       <p:sp>
         <p:nvSpPr>
-          <p:cNvPr id="25" name="文本框 24">
-            <a:extLst>
-              <a:ext uri="{FF2B5EF4-FFF2-40B4-BE49-F238E27FC236}">
-                <a16:creationId xmlns:a16="http://schemas.microsoft.com/office/drawing/2014/main" id="{F72035E2-D7FC-4649-86B0-3C12C5A5486F}"/>
-              </a:ext>
-            </a:extLst>
-          </p:cNvPr>
+          <p:cNvPr id="25" name="文本框 24"/>
           <p:cNvSpPr txBox="1"/>
           <p:nvPr/>
         </p:nvSpPr>
@@ -3976,13 +3496,7 @@
       </p:sp>
       <p:sp>
         <p:nvSpPr>
-          <p:cNvPr id="26" name="矩形 25">
-            <a:extLst>
-              <a:ext uri="{FF2B5EF4-FFF2-40B4-BE49-F238E27FC236}">
-                <a16:creationId xmlns:a16="http://schemas.microsoft.com/office/drawing/2014/main" id="{343647EE-B685-4BFC-837A-D0F5D12C4BB5}"/>
-              </a:ext>
-            </a:extLst>
-          </p:cNvPr>
+          <p:cNvPr id="26" name="矩形 25"/>
           <p:cNvSpPr/>
           <p:nvPr/>
         </p:nvSpPr>
@@ -4047,16 +3561,8 @@
       </p:sp>
       <p:cxnSp>
         <p:nvCxnSpPr>
-          <p:cNvPr id="28" name="直接箭头连接符 27">
-            <a:extLst>
-              <a:ext uri="{FF2B5EF4-FFF2-40B4-BE49-F238E27FC236}">
-                <a16:creationId xmlns:a16="http://schemas.microsoft.com/office/drawing/2014/main" id="{F4809A38-9A95-44D8-9AF9-0A4347688CE6}"/>
-              </a:ext>
-            </a:extLst>
-          </p:cNvPr>
-          <p:cNvCxnSpPr>
-            <a:cxnSpLocks/>
-          </p:cNvCxnSpPr>
+          <p:cNvPr id="28" name="直接箭头连接符 27"/>
+          <p:cNvCxnSpPr/>
           <p:nvPr/>
         </p:nvCxnSpPr>
         <p:spPr>
@@ -4089,16 +3595,8 @@
       </p:cxnSp>
       <p:cxnSp>
         <p:nvCxnSpPr>
-          <p:cNvPr id="29" name="直接箭头连接符 28">
-            <a:extLst>
-              <a:ext uri="{FF2B5EF4-FFF2-40B4-BE49-F238E27FC236}">
-                <a16:creationId xmlns:a16="http://schemas.microsoft.com/office/drawing/2014/main" id="{E0601B99-CC8B-4B00-BEFD-BE1AE63E0546}"/>
-              </a:ext>
-            </a:extLst>
-          </p:cNvPr>
-          <p:cNvCxnSpPr>
-            <a:cxnSpLocks/>
-          </p:cNvCxnSpPr>
+          <p:cNvPr id="29" name="直接箭头连接符 28"/>
+          <p:cNvCxnSpPr/>
           <p:nvPr/>
         </p:nvCxnSpPr>
         <p:spPr>
@@ -4131,20 +3629,14 @@
       </p:cxnSp>
       <p:sp>
         <p:nvSpPr>
-          <p:cNvPr id="30" name="文本框 29">
-            <a:extLst>
-              <a:ext uri="{FF2B5EF4-FFF2-40B4-BE49-F238E27FC236}">
-                <a16:creationId xmlns:a16="http://schemas.microsoft.com/office/drawing/2014/main" id="{9772A8A2-3B4E-4426-AB69-27D97594B56C}"/>
-              </a:ext>
-            </a:extLst>
-          </p:cNvPr>
+          <p:cNvPr id="30" name="文本框 29"/>
           <p:cNvSpPr txBox="1"/>
           <p:nvPr/>
         </p:nvSpPr>
         <p:spPr>
           <a:xfrm>
             <a:off x="8225628" y="5094673"/>
-            <a:ext cx="1269828" cy="369332"/>
+            <a:ext cx="1269828" cy="368300"/>
           </a:xfrm>
           <a:prstGeom prst="rect">
             <a:avLst/>
@@ -4162,7 +3654,7 @@
                 <a:latin typeface="Times New Roman" panose="02020603050405020304" pitchFamily="18" charset="0"/>
                 <a:cs typeface="Times New Roman" panose="02020603050405020304" pitchFamily="18" charset="0"/>
               </a:rPr>
-              <a:t>plane states</a:t>
+              <a:t>UAV states</a:t>
             </a:r>
             <a:endParaRPr lang="zh-CN" altLang="en-US" dirty="0">
               <a:latin typeface="Times New Roman" panose="02020603050405020304" pitchFamily="18" charset="0"/>
@@ -4173,13 +3665,7 @@
       </p:sp>
       <p:sp>
         <p:nvSpPr>
-          <p:cNvPr id="31" name="文本框 30">
-            <a:extLst>
-              <a:ext uri="{FF2B5EF4-FFF2-40B4-BE49-F238E27FC236}">
-                <a16:creationId xmlns:a16="http://schemas.microsoft.com/office/drawing/2014/main" id="{DE8835B1-CE20-4546-8978-4174344D7B96}"/>
-              </a:ext>
-            </a:extLst>
-          </p:cNvPr>
+          <p:cNvPr id="31" name="文本框 30"/>
           <p:cNvSpPr txBox="1"/>
           <p:nvPr/>
         </p:nvSpPr>
@@ -4215,13 +3701,7 @@
       </p:sp>
       <p:sp>
         <p:nvSpPr>
-          <p:cNvPr id="48" name="矩形 47">
-            <a:extLst>
-              <a:ext uri="{FF2B5EF4-FFF2-40B4-BE49-F238E27FC236}">
-                <a16:creationId xmlns:a16="http://schemas.microsoft.com/office/drawing/2014/main" id="{6BE4FA2E-5F5D-4A3C-A03F-2E5D85F95C0D}"/>
-              </a:ext>
-            </a:extLst>
-          </p:cNvPr>
+          <p:cNvPr id="48" name="矩形 47"/>
           <p:cNvSpPr/>
           <p:nvPr/>
         </p:nvSpPr>
@@ -4286,13 +3766,7 @@
       </p:sp>
       <p:sp>
         <p:nvSpPr>
-          <p:cNvPr id="49" name="矩形 48">
-            <a:extLst>
-              <a:ext uri="{FF2B5EF4-FFF2-40B4-BE49-F238E27FC236}">
-                <a16:creationId xmlns:a16="http://schemas.microsoft.com/office/drawing/2014/main" id="{0A211716-091E-491F-BBB0-E97F5A8E5542}"/>
-              </a:ext>
-            </a:extLst>
-          </p:cNvPr>
+          <p:cNvPr id="49" name="矩形 48"/>
           <p:cNvSpPr/>
           <p:nvPr/>
         </p:nvSpPr>
@@ -4357,13 +3831,7 @@
       </p:sp>
       <p:sp>
         <p:nvSpPr>
-          <p:cNvPr id="50" name="矩形 49">
-            <a:extLst>
-              <a:ext uri="{FF2B5EF4-FFF2-40B4-BE49-F238E27FC236}">
-                <a16:creationId xmlns:a16="http://schemas.microsoft.com/office/drawing/2014/main" id="{237D6496-BE83-40DE-8AFD-DA7084D6175D}"/>
-              </a:ext>
-            </a:extLst>
-          </p:cNvPr>
+          <p:cNvPr id="50" name="矩形 49"/>
           <p:cNvSpPr/>
           <p:nvPr/>
         </p:nvSpPr>
@@ -4428,13 +3896,84 @@
       </p:sp>
       <p:pic>
         <p:nvPicPr>
-          <p:cNvPr id="65" name="图片 64" descr="图片包含 游戏机&#10;&#10;描述已自动生成">
+          <p:cNvPr id="65" name="图片 64" descr="图片包含 游戏机&#10;&#10;描述已自动生成"/>
+          <p:cNvPicPr>
+            <a:picLocks noChangeAspect="1"/>
+          </p:cNvPicPr>
+          <p:nvPr/>
+        </p:nvPicPr>
+        <p:blipFill>
+          <a:blip r:embed="rId1">
             <a:extLst>
-              <a:ext uri="{FF2B5EF4-FFF2-40B4-BE49-F238E27FC236}">
-                <a16:creationId xmlns:a16="http://schemas.microsoft.com/office/drawing/2014/main" id="{965FD7A2-043F-47B1-8F50-673CAFB89D12}"/>
+              <a:ext uri="{28A0092B-C50C-407E-A947-70E740481C1C}">
+                <a14:useLocalDpi xmlns:a14="http://schemas.microsoft.com/office/drawing/2010/main" val="0"/>
               </a:ext>
             </a:extLst>
-          </p:cNvPr>
+          </a:blip>
+          <a:stretch>
+            <a:fillRect/>
+          </a:stretch>
+        </p:blipFill>
+        <p:spPr>
+          <a:xfrm>
+            <a:off x="654174" y="2718736"/>
+            <a:ext cx="1698382" cy="1698382"/>
+          </a:xfrm>
+          <a:prstGeom prst="rect">
+            <a:avLst/>
+          </a:prstGeom>
+        </p:spPr>
+      </p:pic>
+      <p:sp>
+        <p:nvSpPr>
+          <p:cNvPr id="66" name="箭头: 左 65"/>
+          <p:cNvSpPr/>
+          <p:nvPr/>
+        </p:nvSpPr>
+        <p:spPr>
+          <a:xfrm>
+            <a:off x="2939068" y="3823999"/>
+            <a:ext cx="647084" cy="189330"/>
+          </a:xfrm>
+          <a:prstGeom prst="leftArrow">
+            <a:avLst/>
+          </a:prstGeom>
+          <a:noFill/>
+          <a:ln w="19050">
+            <a:solidFill>
+              <a:schemeClr val="tx1"/>
+            </a:solidFill>
+            <a:prstDash val="solid"/>
+          </a:ln>
+        </p:spPr>
+        <p:style>
+          <a:lnRef idx="2">
+            <a:schemeClr val="accent1">
+              <a:shade val="50000"/>
+            </a:schemeClr>
+          </a:lnRef>
+          <a:fillRef idx="1">
+            <a:schemeClr val="accent1"/>
+          </a:fillRef>
+          <a:effectRef idx="0">
+            <a:schemeClr val="accent1"/>
+          </a:effectRef>
+          <a:fontRef idx="minor">
+            <a:schemeClr val="lt1"/>
+          </a:fontRef>
+        </p:style>
+        <p:txBody>
+          <a:bodyPr rtlCol="0" anchor="ctr"/>
+          <a:lstStyle/>
+          <a:p>
+            <a:pPr algn="ctr"/>
+            <a:endParaRPr lang="zh-CN" altLang="en-US"/>
+          </a:p>
+        </p:txBody>
+      </p:sp>
+      <p:pic>
+        <p:nvPicPr>
+          <p:cNvPr id="68" name="图片 67" descr="图片包含 游戏机, 电子, 电路&#10;&#10;描述已自动生成"/>
           <p:cNvPicPr>
             <a:picLocks noChangeAspect="1"/>
           </p:cNvPicPr>
@@ -4454,8 +3993,8 @@
         </p:blipFill>
         <p:spPr>
           <a:xfrm>
-            <a:off x="654174" y="3263566"/>
-            <a:ext cx="1698382" cy="1698382"/>
+            <a:off x="565273" y="467440"/>
+            <a:ext cx="2033156" cy="1658716"/>
           </a:xfrm>
           <a:prstGeom prst="rect">
             <a:avLst/>
@@ -4464,19 +4003,13 @@
       </p:pic>
       <p:sp>
         <p:nvSpPr>
-          <p:cNvPr id="66" name="箭头: 左 65">
-            <a:extLst>
-              <a:ext uri="{FF2B5EF4-FFF2-40B4-BE49-F238E27FC236}">
-                <a16:creationId xmlns:a16="http://schemas.microsoft.com/office/drawing/2014/main" id="{A0369811-60FB-4D47-9774-CC673FFB9915}"/>
-              </a:ext>
-            </a:extLst>
-          </p:cNvPr>
+          <p:cNvPr id="69" name="箭头: 左 68"/>
           <p:cNvSpPr/>
           <p:nvPr/>
         </p:nvSpPr>
         <p:spPr>
           <a:xfrm>
-            <a:off x="2939068" y="4128799"/>
+            <a:off x="2974756" y="1222123"/>
             <a:ext cx="647084" cy="189330"/>
           </a:xfrm>
           <a:prstGeom prst="leftArrow">
@@ -4517,13 +4050,7 @@
       </p:sp>
       <p:pic>
         <p:nvPicPr>
-          <p:cNvPr id="68" name="图片 67" descr="图片包含 游戏机, 电子, 电路&#10;&#10;描述已自动生成">
-            <a:extLst>
-              <a:ext uri="{FF2B5EF4-FFF2-40B4-BE49-F238E27FC236}">
-                <a16:creationId xmlns:a16="http://schemas.microsoft.com/office/drawing/2014/main" id="{81A195D8-F694-4D00-9A3F-5FFB167D7E13}"/>
-              </a:ext>
-            </a:extLst>
-          </p:cNvPr>
+          <p:cNvPr id="71" name="图片 70"/>
           <p:cNvPicPr>
             <a:picLocks noChangeAspect="1"/>
           </p:cNvPicPr>
@@ -4532,6 +4059,18 @@
         <p:blipFill>
           <a:blip r:embed="rId3">
             <a:extLst>
+              <a:ext uri="{BEBA8EAE-BF5A-486C-A8C5-ECC9F3942E4B}">
+                <a14:imgProps xmlns:a14="http://schemas.microsoft.com/office/drawing/2010/main">
+                  <a14:imgLayer r:embed="rId4">
+                    <a14:imgEffect>
+                      <a14:brightnessContrast bright="4000" contrast="-40000"/>
+                    </a14:imgEffect>
+                    <a14:imgEffect>
+                      <a14:sharpenSoften amount="7000"/>
+                    </a14:imgEffect>
+                  </a14:imgLayer>
+                </a14:imgProps>
+              </a:ext>
               <a:ext uri="{28A0092B-C50C-407E-A947-70E740481C1C}">
                 <a14:useLocalDpi xmlns:a14="http://schemas.microsoft.com/office/drawing/2010/main" val="0"/>
               </a:ext>
@@ -4543,8 +4082,8 @@
         </p:blipFill>
         <p:spPr>
           <a:xfrm>
-            <a:off x="565273" y="840820"/>
-            <a:ext cx="2033156" cy="1658716"/>
+            <a:off x="140972" y="4939776"/>
+            <a:ext cx="2797552" cy="1326279"/>
           </a:xfrm>
           <a:prstGeom prst="rect">
             <a:avLst/>
@@ -4553,19 +4092,13 @@
       </p:pic>
       <p:sp>
         <p:nvSpPr>
-          <p:cNvPr id="69" name="箭头: 左 68">
-            <a:extLst>
-              <a:ext uri="{FF2B5EF4-FFF2-40B4-BE49-F238E27FC236}">
-                <a16:creationId xmlns:a16="http://schemas.microsoft.com/office/drawing/2014/main" id="{90D451CC-2471-4707-A193-A37B88A68CE4}"/>
-              </a:ext>
-            </a:extLst>
-          </p:cNvPr>
+          <p:cNvPr id="72" name="箭头: 左 71"/>
           <p:cNvSpPr/>
           <p:nvPr/>
         </p:nvSpPr>
         <p:spPr>
           <a:xfrm>
-            <a:off x="2974756" y="1526923"/>
+            <a:off x="2974756" y="5672439"/>
             <a:ext cx="647084" cy="189330"/>
           </a:xfrm>
           <a:prstGeom prst="leftArrow">
@@ -4604,80 +4137,28 @@
           </a:p>
         </p:txBody>
       </p:sp>
-      <p:pic>
-        <p:nvPicPr>
-          <p:cNvPr id="71" name="图片 70">
-            <a:extLst>
-              <a:ext uri="{FF2B5EF4-FFF2-40B4-BE49-F238E27FC236}">
-                <a16:creationId xmlns:a16="http://schemas.microsoft.com/office/drawing/2014/main" id="{B584FBCB-210D-4284-9B57-8D40A425303E}"/>
-              </a:ext>
-            </a:extLst>
-          </p:cNvPr>
-          <p:cNvPicPr>
-            <a:picLocks noChangeAspect="1"/>
-          </p:cNvPicPr>
-          <p:nvPr/>
-        </p:nvPicPr>
-        <p:blipFill>
-          <a:blip r:embed="rId4">
-            <a:extLst>
-              <a:ext uri="{BEBA8EAE-BF5A-486C-A8C5-ECC9F3942E4B}">
-                <a14:imgProps xmlns:a14="http://schemas.microsoft.com/office/drawing/2010/main">
-                  <a14:imgLayer r:embed="rId5">
-                    <a14:imgEffect>
-                      <a14:sharpenSoften amount="7000"/>
-                    </a14:imgEffect>
-                    <a14:imgEffect>
-                      <a14:brightnessContrast bright="4000" contrast="-40000"/>
-                    </a14:imgEffect>
-                  </a14:imgLayer>
-                </a14:imgProps>
-              </a:ext>
-              <a:ext uri="{28A0092B-C50C-407E-A947-70E740481C1C}">
-                <a14:useLocalDpi xmlns:a14="http://schemas.microsoft.com/office/drawing/2010/main" val="0"/>
-              </a:ext>
-            </a:extLst>
-          </a:blip>
-          <a:stretch>
-            <a:fillRect/>
-          </a:stretch>
-        </p:blipFill>
-        <p:spPr>
-          <a:xfrm>
-            <a:off x="80012" y="5252196"/>
-            <a:ext cx="2797552" cy="1326279"/>
-          </a:xfrm>
-          <a:prstGeom prst="rect">
-            <a:avLst/>
-          </a:prstGeom>
-        </p:spPr>
-      </p:pic>
-      <p:sp>
-        <p:nvSpPr>
-          <p:cNvPr id="72" name="箭头: 左 71">
-            <a:extLst>
-              <a:ext uri="{FF2B5EF4-FFF2-40B4-BE49-F238E27FC236}">
-                <a16:creationId xmlns:a16="http://schemas.microsoft.com/office/drawing/2014/main" id="{24DED948-7452-49BB-BFBE-EFACD0DB3F45}"/>
-              </a:ext>
-            </a:extLst>
-          </p:cNvPr>
+      <p:sp>
+        <p:nvSpPr>
+          <p:cNvPr id="2" name="矩形 1"/>
           <p:cNvSpPr/>
           <p:nvPr/>
         </p:nvSpPr>
         <p:spPr>
           <a:xfrm>
-            <a:off x="2974756" y="5977239"/>
-            <a:ext cx="647084" cy="189330"/>
-          </a:xfrm>
-          <a:prstGeom prst="leftArrow">
+            <a:off x="495935" y="2125980"/>
+            <a:ext cx="2015490" cy="346075"/>
+          </a:xfrm>
+          <a:prstGeom prst="rect">
             <a:avLst/>
           </a:prstGeom>
           <a:noFill/>
           <a:ln w="19050">
             <a:solidFill>
-              <a:schemeClr val="tx1"/>
+              <a:schemeClr val="tx2">
+                <a:lumMod val="60000"/>
+                <a:lumOff val="40000"/>
+              </a:schemeClr>
             </a:solidFill>
-            <a:prstDash val="solid"/>
           </a:ln>
         </p:spPr>
         <p:style>
@@ -4697,20 +4178,158 @@
           </a:fontRef>
         </p:style>
         <p:txBody>
-          <a:bodyPr rtlCol="0" anchor="ctr"/>
-          <a:lstStyle/>
+          <a:bodyPr numCol="1" rtlCol="0" anchor="ctr"/>
           <a:p>
             <a:pPr algn="ctr"/>
-            <a:endParaRPr lang="zh-CN" altLang="en-US"/>
+            <a:r>
+              <a:rPr lang="en-US" altLang="zh-CN" sz="1400" dirty="0">
+                <a:solidFill>
+                  <a:schemeClr val="accent1"/>
+                </a:solidFill>
+                <a:latin typeface="Times New Roman" panose="02020603050405020304" pitchFamily="18" charset="0"/>
+                <a:cs typeface="Times New Roman" panose="02020603050405020304" pitchFamily="18" charset="0"/>
+              </a:rPr>
+              <a:t>NVIDA Jetsion Nano </a:t>
+            </a:r>
+            <a:endParaRPr lang="en-US" altLang="zh-CN" sz="1400" dirty="0">
+              <a:solidFill>
+                <a:schemeClr val="accent1"/>
+              </a:solidFill>
+              <a:latin typeface="Times New Roman" panose="02020603050405020304" pitchFamily="18" charset="0"/>
+              <a:cs typeface="Times New Roman" panose="02020603050405020304" pitchFamily="18" charset="0"/>
+            </a:endParaRPr>
+          </a:p>
+        </p:txBody>
+      </p:sp>
+      <p:sp>
+        <p:nvSpPr>
+          <p:cNvPr id="3" name="矩形 2"/>
+          <p:cNvSpPr/>
+          <p:nvPr/>
+        </p:nvSpPr>
+        <p:spPr>
+          <a:xfrm>
+            <a:off x="495300" y="4417060"/>
+            <a:ext cx="2015490" cy="346075"/>
+          </a:xfrm>
+          <a:prstGeom prst="rect">
+            <a:avLst/>
+          </a:prstGeom>
+          <a:noFill/>
+          <a:ln w="19050">
+            <a:solidFill>
+              <a:schemeClr val="tx2">
+                <a:lumMod val="60000"/>
+                <a:lumOff val="40000"/>
+              </a:schemeClr>
+            </a:solidFill>
+          </a:ln>
+        </p:spPr>
+        <p:style>
+          <a:lnRef idx="2">
+            <a:schemeClr val="accent1">
+              <a:shade val="50000"/>
+            </a:schemeClr>
+          </a:lnRef>
+          <a:fillRef idx="1">
+            <a:schemeClr val="accent1"/>
+          </a:fillRef>
+          <a:effectRef idx="0">
+            <a:schemeClr val="accent1"/>
+          </a:effectRef>
+          <a:fontRef idx="minor">
+            <a:schemeClr val="lt1"/>
+          </a:fontRef>
+        </p:style>
+        <p:txBody>
+          <a:bodyPr numCol="1" rtlCol="0" anchor="ctr"/>
+          <a:p>
+            <a:pPr algn="ctr"/>
+            <a:r>
+              <a:rPr lang="en-US" altLang="zh-CN" sz="1400" dirty="0">
+                <a:solidFill>
+                  <a:schemeClr val="accent1"/>
+                </a:solidFill>
+                <a:latin typeface="Times New Roman" panose="02020603050405020304" pitchFamily="18" charset="0"/>
+                <a:cs typeface="Times New Roman" panose="02020603050405020304" pitchFamily="18" charset="0"/>
+              </a:rPr>
+              <a:t>CUAV V5+ </a:t>
+            </a:r>
+            <a:endParaRPr lang="en-US" altLang="zh-CN" sz="1400" dirty="0">
+              <a:solidFill>
+                <a:schemeClr val="accent1"/>
+              </a:solidFill>
+              <a:latin typeface="Times New Roman" panose="02020603050405020304" pitchFamily="18" charset="0"/>
+              <a:cs typeface="Times New Roman" panose="02020603050405020304" pitchFamily="18" charset="0"/>
+            </a:endParaRPr>
+          </a:p>
+        </p:txBody>
+      </p:sp>
+      <p:sp>
+        <p:nvSpPr>
+          <p:cNvPr id="5" name="矩形 4"/>
+          <p:cNvSpPr/>
+          <p:nvPr/>
+        </p:nvSpPr>
+        <p:spPr>
+          <a:xfrm>
+            <a:off x="495935" y="6342380"/>
+            <a:ext cx="2015490" cy="346075"/>
+          </a:xfrm>
+          <a:prstGeom prst="rect">
+            <a:avLst/>
+          </a:prstGeom>
+          <a:noFill/>
+          <a:ln w="19050">
+            <a:solidFill>
+              <a:schemeClr val="tx2">
+                <a:lumMod val="60000"/>
+                <a:lumOff val="40000"/>
+              </a:schemeClr>
+            </a:solidFill>
+          </a:ln>
+        </p:spPr>
+        <p:style>
+          <a:lnRef idx="2">
+            <a:schemeClr val="accent1">
+              <a:shade val="50000"/>
+            </a:schemeClr>
+          </a:lnRef>
+          <a:fillRef idx="1">
+            <a:schemeClr val="accent1"/>
+          </a:fillRef>
+          <a:effectRef idx="0">
+            <a:schemeClr val="accent1"/>
+          </a:effectRef>
+          <a:fontRef idx="minor">
+            <a:schemeClr val="lt1"/>
+          </a:fontRef>
+        </p:style>
+        <p:txBody>
+          <a:bodyPr numCol="1" rtlCol="0" anchor="ctr"/>
+          <a:p>
+            <a:pPr algn="ctr"/>
+            <a:r>
+              <a:rPr lang="en-US" altLang="zh-CN" sz="1400" dirty="0">
+                <a:solidFill>
+                  <a:schemeClr val="accent1"/>
+                </a:solidFill>
+                <a:latin typeface="Times New Roman" panose="02020603050405020304" pitchFamily="18" charset="0"/>
+                <a:cs typeface="Times New Roman" panose="02020603050405020304" pitchFamily="18" charset="0"/>
+              </a:rPr>
+              <a:t>SKYWALKER  2015</a:t>
+            </a:r>
+            <a:endParaRPr lang="en-US" altLang="zh-CN" sz="1400" dirty="0">
+              <a:solidFill>
+                <a:schemeClr val="accent1"/>
+              </a:solidFill>
+              <a:latin typeface="Times New Roman" panose="02020603050405020304" pitchFamily="18" charset="0"/>
+              <a:cs typeface="Times New Roman" panose="02020603050405020304" pitchFamily="18" charset="0"/>
+            </a:endParaRPr>
           </a:p>
         </p:txBody>
       </p:sp>
     </p:spTree>
-    <p:extLst>
-      <p:ext uri="{BB962C8B-B14F-4D97-AF65-F5344CB8AC3E}">
-        <p14:creationId xmlns:p14="http://schemas.microsoft.com/office/powerpoint/2010/main" val="785552109"/>
-      </p:ext>
-    </p:extLst>
   </p:cSld>
   <p:clrMapOvr>
     <a:masterClrMapping/>
@@ -4761,7 +4380,7 @@
     </a:clrScheme>
     <a:fontScheme name="Office">
       <a:majorFont>
-        <a:latin typeface="等线 Light" panose="020F0302020204030204"/>
+        <a:latin typeface="等线 Light"/>
         <a:ea typeface=""/>
         <a:cs typeface=""/>
         <a:font script="Jpan" typeface="游ゴシック Light"/>
@@ -4794,26 +4413,9 @@
         <a:font script="Viet" typeface="Times New Roman"/>
         <a:font script="Uigh" typeface="Microsoft Uighur"/>
         <a:font script="Geor" typeface="Sylfaen"/>
-        <a:font script="Armn" typeface="Arial"/>
-        <a:font script="Bugi" typeface="Leelawadee UI"/>
-        <a:font script="Bopo" typeface="Microsoft JhengHei"/>
-        <a:font script="Java" typeface="Javanese Text"/>
-        <a:font script="Lisu" typeface="Segoe UI"/>
-        <a:font script="Mymr" typeface="Myanmar Text"/>
-        <a:font script="Nkoo" typeface="Ebrima"/>
-        <a:font script="Olck" typeface="Nirmala UI"/>
-        <a:font script="Osma" typeface="Ebrima"/>
-        <a:font script="Phag" typeface="Phagspa"/>
-        <a:font script="Syrn" typeface="Estrangelo Edessa"/>
-        <a:font script="Syrj" typeface="Estrangelo Edessa"/>
-        <a:font script="Syre" typeface="Estrangelo Edessa"/>
-        <a:font script="Sora" typeface="Nirmala UI"/>
-        <a:font script="Tale" typeface="Microsoft Tai Le"/>
-        <a:font script="Talu" typeface="Microsoft New Tai Lue"/>
-        <a:font script="Tfng" typeface="Ebrima"/>
       </a:majorFont>
       <a:minorFont>
-        <a:latin typeface="等线" panose="020F0502020204030204"/>
+        <a:latin typeface="等线"/>
         <a:ea typeface=""/>
         <a:cs typeface=""/>
         <a:font script="Jpan" typeface="游ゴシック"/>
@@ -4846,23 +4448,6 @@
         <a:font script="Viet" typeface="Arial"/>
         <a:font script="Uigh" typeface="Microsoft Uighur"/>
         <a:font script="Geor" typeface="Sylfaen"/>
-        <a:font script="Armn" typeface="Arial"/>
-        <a:font script="Bugi" typeface="Leelawadee UI"/>
-        <a:font script="Bopo" typeface="Microsoft JhengHei"/>
-        <a:font script="Java" typeface="Javanese Text"/>
-        <a:font script="Lisu" typeface="Segoe UI"/>
-        <a:font script="Mymr" typeface="Myanmar Text"/>
-        <a:font script="Nkoo" typeface="Ebrima"/>
-        <a:font script="Olck" typeface="Nirmala UI"/>
-        <a:font script="Osma" typeface="Ebrima"/>
-        <a:font script="Phag" typeface="Phagspa"/>
-        <a:font script="Syrn" typeface="Estrangelo Edessa"/>
-        <a:font script="Syrj" typeface="Estrangelo Edessa"/>
-        <a:font script="Syre" typeface="Estrangelo Edessa"/>
-        <a:font script="Sora" typeface="Nirmala UI"/>
-        <a:font script="Tale" typeface="Microsoft Tai Le"/>
-        <a:font script="Talu" typeface="Microsoft New Tai Lue"/>
-        <a:font script="Tfng" typeface="Ebrima"/>
       </a:minorFont>
     </a:fontScheme>
     <a:fmtScheme name="Office">
@@ -5003,8 +4588,6 @@
       </a:bgFillStyleLst>
     </a:fmtScheme>
   </a:themeElements>
-  <a:objectDefaults/>
-  <a:extraClrSchemeLst/>
   <a:extLst>
     <a:ext uri="{05A4C25C-085E-4340-85A3-A5531E510DB2}">
       <thm15:themeFamily xmlns:thm15="http://schemas.microsoft.com/office/thememl/2012/main" name="Office Theme" id="{62F939B6-93AF-4DB8-9C6B-D6C7DFDC589F}" vid="{4A3C46E8-61CC-4603-A589-7422A47A8E4A}"/>

--- a/graduation_thesis/BIT-thesis-template-grd/figures/c4/c4.pptx
+++ b/graduation_thesis/BIT-thesis-template-grd/figures/c4/c4.pptx
@@ -6,6 +6,7 @@
   </p:sldMasterIdLst>
   <p:sldIdLst>
     <p:sldId id="256" r:id="rId2"/>
+    <p:sldId id="257" r:id="rId3"/>
   </p:sldIdLst>
   <p:sldSz cx="12192000" cy="6858000"/>
   <p:notesSz cx="6858000" cy="9144000"/>
@@ -104,6 +105,11 @@
       </a:defRPr>
     </a:lvl9pPr>
   </p:defaultTextStyle>
+  <p:extLst>
+    <p:ext uri="{EFAFB233-063F-42B5-8137-9DF3F51BA10A}">
+      <p15:sldGuideLst xmlns:p15="http://schemas.microsoft.com/office/powerpoint/2012/main"/>
+    </p:ext>
+  </p:extLst>
 </p:presentation>
 </file>
 
@@ -254,7 +260,7 @@
           <a:p>
             <a:fld id="{648283BF-D07E-4268-AD41-E2A23B7C6AA4}" type="datetimeFigureOut">
               <a:rPr lang="zh-CN" altLang="en-US" smtClean="0"/>
-              <a:t>2020/4/3</a:t>
+              <a:t>2020/4/6</a:t>
             </a:fld>
             <a:endParaRPr lang="zh-CN" altLang="en-US"/>
           </a:p>
@@ -452,7 +458,7 @@
           <a:p>
             <a:fld id="{648283BF-D07E-4268-AD41-E2A23B7C6AA4}" type="datetimeFigureOut">
               <a:rPr lang="zh-CN" altLang="en-US" smtClean="0"/>
-              <a:t>2020/4/3</a:t>
+              <a:t>2020/4/6</a:t>
             </a:fld>
             <a:endParaRPr lang="zh-CN" altLang="en-US"/>
           </a:p>
@@ -660,7 +666,7 @@
           <a:p>
             <a:fld id="{648283BF-D07E-4268-AD41-E2A23B7C6AA4}" type="datetimeFigureOut">
               <a:rPr lang="zh-CN" altLang="en-US" smtClean="0"/>
-              <a:t>2020/4/3</a:t>
+              <a:t>2020/4/6</a:t>
             </a:fld>
             <a:endParaRPr lang="zh-CN" altLang="en-US"/>
           </a:p>
@@ -858,7 +864,7 @@
           <a:p>
             <a:fld id="{648283BF-D07E-4268-AD41-E2A23B7C6AA4}" type="datetimeFigureOut">
               <a:rPr lang="zh-CN" altLang="en-US" smtClean="0"/>
-              <a:t>2020/4/3</a:t>
+              <a:t>2020/4/6</a:t>
             </a:fld>
             <a:endParaRPr lang="zh-CN" altLang="en-US"/>
           </a:p>
@@ -1133,7 +1139,7 @@
           <a:p>
             <a:fld id="{648283BF-D07E-4268-AD41-E2A23B7C6AA4}" type="datetimeFigureOut">
               <a:rPr lang="zh-CN" altLang="en-US" smtClean="0"/>
-              <a:t>2020/4/3</a:t>
+              <a:t>2020/4/6</a:t>
             </a:fld>
             <a:endParaRPr lang="zh-CN" altLang="en-US"/>
           </a:p>
@@ -1398,7 +1404,7 @@
           <a:p>
             <a:fld id="{648283BF-D07E-4268-AD41-E2A23B7C6AA4}" type="datetimeFigureOut">
               <a:rPr lang="zh-CN" altLang="en-US" smtClean="0"/>
-              <a:t>2020/4/3</a:t>
+              <a:t>2020/4/6</a:t>
             </a:fld>
             <a:endParaRPr lang="zh-CN" altLang="en-US"/>
           </a:p>
@@ -1810,7 +1816,7 @@
           <a:p>
             <a:fld id="{648283BF-D07E-4268-AD41-E2A23B7C6AA4}" type="datetimeFigureOut">
               <a:rPr lang="zh-CN" altLang="en-US" smtClean="0"/>
-              <a:t>2020/4/3</a:t>
+              <a:t>2020/4/6</a:t>
             </a:fld>
             <a:endParaRPr lang="zh-CN" altLang="en-US"/>
           </a:p>
@@ -1951,7 +1957,7 @@
           <a:p>
             <a:fld id="{648283BF-D07E-4268-AD41-E2A23B7C6AA4}" type="datetimeFigureOut">
               <a:rPr lang="zh-CN" altLang="en-US" smtClean="0"/>
-              <a:t>2020/4/3</a:t>
+              <a:t>2020/4/6</a:t>
             </a:fld>
             <a:endParaRPr lang="zh-CN" altLang="en-US"/>
           </a:p>
@@ -2064,7 +2070,7 @@
           <a:p>
             <a:fld id="{648283BF-D07E-4268-AD41-E2A23B7C6AA4}" type="datetimeFigureOut">
               <a:rPr lang="zh-CN" altLang="en-US" smtClean="0"/>
-              <a:t>2020/4/3</a:t>
+              <a:t>2020/4/6</a:t>
             </a:fld>
             <a:endParaRPr lang="zh-CN" altLang="en-US"/>
           </a:p>
@@ -2375,7 +2381,7 @@
           <a:p>
             <a:fld id="{648283BF-D07E-4268-AD41-E2A23B7C6AA4}" type="datetimeFigureOut">
               <a:rPr lang="zh-CN" altLang="en-US" smtClean="0"/>
-              <a:t>2020/4/3</a:t>
+              <a:t>2020/4/6</a:t>
             </a:fld>
             <a:endParaRPr lang="zh-CN" altLang="en-US"/>
           </a:p>
@@ -2663,7 +2669,7 @@
           <a:p>
             <a:fld id="{648283BF-D07E-4268-AD41-E2A23B7C6AA4}" type="datetimeFigureOut">
               <a:rPr lang="zh-CN" altLang="en-US" smtClean="0"/>
-              <a:t>2020/4/3</a:t>
+              <a:t>2020/4/6</a:t>
             </a:fld>
             <a:endParaRPr lang="zh-CN" altLang="en-US"/>
           </a:p>
@@ -2904,7 +2910,7 @@
           <a:p>
             <a:fld id="{648283BF-D07E-4268-AD41-E2A23B7C6AA4}" type="datetimeFigureOut">
               <a:rPr lang="zh-CN" altLang="en-US" smtClean="0"/>
-              <a:t>2020/4/3</a:t>
+              <a:t>2020/4/6</a:t>
             </a:fld>
             <a:endParaRPr lang="zh-CN" altLang="en-US"/>
           </a:p>
@@ -4718,6 +4724,1935 @@
 </p:sld>
 </file>
 
+<file path=ppt/slides/slide2.xml><?xml version="1.0" encoding="utf-8"?>
+<p:sld xmlns:a="http://schemas.openxmlformats.org/drawingml/2006/main" xmlns:r="http://schemas.openxmlformats.org/officeDocument/2006/relationships" xmlns:p="http://schemas.openxmlformats.org/presentationml/2006/main">
+  <p:cSld>
+    <p:spTree>
+      <p:nvGrpSpPr>
+        <p:cNvPr id="1" name=""/>
+        <p:cNvGrpSpPr/>
+        <p:nvPr/>
+      </p:nvGrpSpPr>
+      <p:grpSpPr>
+        <a:xfrm>
+          <a:off x="0" y="0"/>
+          <a:ext cx="0" cy="0"/>
+          <a:chOff x="0" y="0"/>
+          <a:chExt cx="0" cy="0"/>
+        </a:xfrm>
+      </p:grpSpPr>
+      <p:sp>
+        <p:nvSpPr>
+          <p:cNvPr id="72" name="矩形 71">
+            <a:extLst>
+              <a:ext uri="{FF2B5EF4-FFF2-40B4-BE49-F238E27FC236}">
+                <a16:creationId xmlns:a16="http://schemas.microsoft.com/office/drawing/2014/main" id="{E47B1459-3113-4F22-8111-A30DB1BDDF12}"/>
+              </a:ext>
+            </a:extLst>
+          </p:cNvPr>
+          <p:cNvSpPr/>
+          <p:nvPr/>
+        </p:nvSpPr>
+        <p:spPr>
+          <a:xfrm>
+            <a:off x="4883624" y="601946"/>
+            <a:ext cx="2093917" cy="5506463"/>
+          </a:xfrm>
+          <a:prstGeom prst="rect">
+            <a:avLst/>
+          </a:prstGeom>
+          <a:ln w="19050">
+            <a:solidFill>
+              <a:srgbClr val="FF0000"/>
+            </a:solidFill>
+            <a:prstDash val="dash"/>
+          </a:ln>
+        </p:spPr>
+        <p:style>
+          <a:lnRef idx="2">
+            <a:schemeClr val="accent6"/>
+          </a:lnRef>
+          <a:fillRef idx="1">
+            <a:schemeClr val="lt1"/>
+          </a:fillRef>
+          <a:effectRef idx="0">
+            <a:schemeClr val="accent6"/>
+          </a:effectRef>
+          <a:fontRef idx="minor">
+            <a:schemeClr val="dk1"/>
+          </a:fontRef>
+        </p:style>
+        <p:txBody>
+          <a:bodyPr numCol="1" rtlCol="0" anchor="ctr"/>
+          <a:lstStyle/>
+          <a:p>
+            <a:pPr algn="ctr"/>
+            <a:endParaRPr lang="zh-CN" altLang="en-US" dirty="0">
+              <a:solidFill>
+                <a:schemeClr val="tx1"/>
+              </a:solidFill>
+              <a:latin typeface="Times New Roman" panose="02020603050405020304" pitchFamily="18" charset="0"/>
+              <a:cs typeface="Times New Roman" panose="02020603050405020304" pitchFamily="18" charset="0"/>
+            </a:endParaRPr>
+          </a:p>
+        </p:txBody>
+      </p:sp>
+      <p:sp>
+        <p:nvSpPr>
+          <p:cNvPr id="6" name="矩形 5">
+            <a:extLst>
+              <a:ext uri="{FF2B5EF4-FFF2-40B4-BE49-F238E27FC236}">
+                <a16:creationId xmlns:a16="http://schemas.microsoft.com/office/drawing/2014/main" id="{DB12AC9E-EE27-4316-9A39-9147745E84F8}"/>
+              </a:ext>
+            </a:extLst>
+          </p:cNvPr>
+          <p:cNvSpPr/>
+          <p:nvPr/>
+        </p:nvSpPr>
+        <p:spPr>
+          <a:xfrm>
+            <a:off x="1400449" y="311096"/>
+            <a:ext cx="3245462" cy="3154193"/>
+          </a:xfrm>
+          <a:prstGeom prst="rect">
+            <a:avLst/>
+          </a:prstGeom>
+          <a:noFill/>
+          <a:ln w="19050">
+            <a:solidFill>
+              <a:schemeClr val="tx2">
+                <a:lumMod val="60000"/>
+                <a:lumOff val="40000"/>
+              </a:schemeClr>
+            </a:solidFill>
+          </a:ln>
+        </p:spPr>
+        <p:style>
+          <a:lnRef idx="2">
+            <a:schemeClr val="accent1">
+              <a:shade val="50000"/>
+            </a:schemeClr>
+          </a:lnRef>
+          <a:fillRef idx="1">
+            <a:schemeClr val="accent1"/>
+          </a:fillRef>
+          <a:effectRef idx="0">
+            <a:schemeClr val="accent1"/>
+          </a:effectRef>
+          <a:fontRef idx="minor">
+            <a:schemeClr val="lt1"/>
+          </a:fontRef>
+        </p:style>
+        <p:txBody>
+          <a:bodyPr numCol="3" rtlCol="0" anchor="ctr"/>
+          <a:lstStyle/>
+          <a:p>
+            <a:endParaRPr lang="zh-CN" altLang="en-US" dirty="0">
+              <a:solidFill>
+                <a:schemeClr val="tx1"/>
+              </a:solidFill>
+              <a:latin typeface="Times New Roman" panose="02020603050405020304" pitchFamily="18" charset="0"/>
+              <a:cs typeface="Times New Roman" panose="02020603050405020304" pitchFamily="18" charset="0"/>
+            </a:endParaRPr>
+          </a:p>
+        </p:txBody>
+      </p:sp>
+      <p:sp>
+        <p:nvSpPr>
+          <p:cNvPr id="7" name="矩形 6">
+            <a:extLst>
+              <a:ext uri="{FF2B5EF4-FFF2-40B4-BE49-F238E27FC236}">
+                <a16:creationId xmlns:a16="http://schemas.microsoft.com/office/drawing/2014/main" id="{469E4611-BD42-4845-8F52-C831CA8BB49E}"/>
+              </a:ext>
+            </a:extLst>
+          </p:cNvPr>
+          <p:cNvSpPr/>
+          <p:nvPr/>
+        </p:nvSpPr>
+        <p:spPr>
+          <a:xfrm>
+            <a:off x="1586373" y="1162940"/>
+            <a:ext cx="2472071" cy="909604"/>
+          </a:xfrm>
+          <a:prstGeom prst="rect">
+            <a:avLst/>
+          </a:prstGeom>
+          <a:noFill/>
+          <a:ln w="19050">
+            <a:solidFill>
+              <a:schemeClr val="tx1"/>
+            </a:solidFill>
+          </a:ln>
+        </p:spPr>
+        <p:style>
+          <a:lnRef idx="2">
+            <a:schemeClr val="accent1">
+              <a:shade val="50000"/>
+            </a:schemeClr>
+          </a:lnRef>
+          <a:fillRef idx="1">
+            <a:schemeClr val="accent1"/>
+          </a:fillRef>
+          <a:effectRef idx="0">
+            <a:schemeClr val="accent1"/>
+          </a:effectRef>
+          <a:fontRef idx="minor">
+            <a:schemeClr val="lt1"/>
+          </a:fontRef>
+        </p:style>
+        <p:txBody>
+          <a:bodyPr numCol="1" rtlCol="0" anchor="ctr"/>
+          <a:lstStyle/>
+          <a:p>
+            <a:pPr algn="ctr"/>
+            <a:r>
+              <a:rPr lang="en-US" altLang="zh-CN" dirty="0">
+                <a:solidFill>
+                  <a:schemeClr val="tx1"/>
+                </a:solidFill>
+                <a:latin typeface="Times New Roman" panose="02020603050405020304" pitchFamily="18" charset="0"/>
+                <a:cs typeface="Times New Roman" panose="02020603050405020304" pitchFamily="18" charset="0"/>
+              </a:rPr>
+              <a:t>FIXED_WING_FORMATION_CONTROL</a:t>
+            </a:r>
+            <a:endParaRPr lang="zh-CN" altLang="en-US" dirty="0">
+              <a:solidFill>
+                <a:schemeClr val="tx1"/>
+              </a:solidFill>
+              <a:latin typeface="Times New Roman" panose="02020603050405020304" pitchFamily="18" charset="0"/>
+              <a:cs typeface="Times New Roman" panose="02020603050405020304" pitchFamily="18" charset="0"/>
+            </a:endParaRPr>
+          </a:p>
+        </p:txBody>
+      </p:sp>
+      <p:sp>
+        <p:nvSpPr>
+          <p:cNvPr id="8" name="矩形 7">
+            <a:extLst>
+              <a:ext uri="{FF2B5EF4-FFF2-40B4-BE49-F238E27FC236}">
+                <a16:creationId xmlns:a16="http://schemas.microsoft.com/office/drawing/2014/main" id="{01CB9311-70CB-4264-B807-12C6BC17D8F3}"/>
+              </a:ext>
+            </a:extLst>
+          </p:cNvPr>
+          <p:cNvSpPr/>
+          <p:nvPr/>
+        </p:nvSpPr>
+        <p:spPr>
+          <a:xfrm>
+            <a:off x="1586373" y="1162941"/>
+            <a:ext cx="2472071" cy="192557"/>
+          </a:xfrm>
+          <a:prstGeom prst="rect">
+            <a:avLst/>
+          </a:prstGeom>
+          <a:noFill/>
+          <a:ln w="19050">
+            <a:solidFill>
+              <a:schemeClr val="tx1"/>
+            </a:solidFill>
+          </a:ln>
+        </p:spPr>
+        <p:style>
+          <a:lnRef idx="2">
+            <a:schemeClr val="accent1">
+              <a:shade val="50000"/>
+            </a:schemeClr>
+          </a:lnRef>
+          <a:fillRef idx="1">
+            <a:schemeClr val="accent1"/>
+          </a:fillRef>
+          <a:effectRef idx="0">
+            <a:schemeClr val="accent1"/>
+          </a:effectRef>
+          <a:fontRef idx="minor">
+            <a:schemeClr val="lt1"/>
+          </a:fontRef>
+        </p:style>
+        <p:txBody>
+          <a:bodyPr numCol="1" rtlCol="0" anchor="ctr"/>
+          <a:lstStyle/>
+          <a:p>
+            <a:r>
+              <a:rPr lang="en-US" altLang="zh-CN" sz="1400" dirty="0">
+                <a:solidFill>
+                  <a:schemeClr val="tx1"/>
+                </a:solidFill>
+                <a:latin typeface="Times New Roman" panose="02020603050405020304" pitchFamily="18" charset="0"/>
+                <a:cs typeface="Times New Roman" panose="02020603050405020304" pitchFamily="18" charset="0"/>
+              </a:rPr>
+              <a:t>NODE1</a:t>
+            </a:r>
+            <a:endParaRPr lang="zh-CN" altLang="en-US" sz="1400" dirty="0">
+              <a:solidFill>
+                <a:schemeClr val="tx1"/>
+              </a:solidFill>
+              <a:latin typeface="Times New Roman" panose="02020603050405020304" pitchFamily="18" charset="0"/>
+              <a:cs typeface="Times New Roman" panose="02020603050405020304" pitchFamily="18" charset="0"/>
+            </a:endParaRPr>
+          </a:p>
+        </p:txBody>
+      </p:sp>
+      <p:sp>
+        <p:nvSpPr>
+          <p:cNvPr id="9" name="矩形 8">
+            <a:extLst>
+              <a:ext uri="{FF2B5EF4-FFF2-40B4-BE49-F238E27FC236}">
+                <a16:creationId xmlns:a16="http://schemas.microsoft.com/office/drawing/2014/main" id="{7F173D8C-89F1-43D2-8FE3-8A080F680171}"/>
+              </a:ext>
+            </a:extLst>
+          </p:cNvPr>
+          <p:cNvSpPr/>
+          <p:nvPr/>
+        </p:nvSpPr>
+        <p:spPr>
+          <a:xfrm>
+            <a:off x="1586373" y="2486914"/>
+            <a:ext cx="2472071" cy="797253"/>
+          </a:xfrm>
+          <a:prstGeom prst="rect">
+            <a:avLst/>
+          </a:prstGeom>
+          <a:noFill/>
+          <a:ln w="19050">
+            <a:solidFill>
+              <a:schemeClr val="tx1"/>
+            </a:solidFill>
+          </a:ln>
+        </p:spPr>
+        <p:style>
+          <a:lnRef idx="2">
+            <a:schemeClr val="accent1">
+              <a:shade val="50000"/>
+            </a:schemeClr>
+          </a:lnRef>
+          <a:fillRef idx="1">
+            <a:schemeClr val="accent1"/>
+          </a:fillRef>
+          <a:effectRef idx="0">
+            <a:schemeClr val="accent1"/>
+          </a:effectRef>
+          <a:fontRef idx="minor">
+            <a:schemeClr val="lt1"/>
+          </a:fontRef>
+        </p:style>
+        <p:txBody>
+          <a:bodyPr numCol="1" rtlCol="0" anchor="ctr"/>
+          <a:lstStyle/>
+          <a:p>
+            <a:pPr algn="ctr"/>
+            <a:r>
+              <a:rPr lang="en-US" altLang="zh-CN" dirty="0">
+                <a:solidFill>
+                  <a:schemeClr val="tx1"/>
+                </a:solidFill>
+                <a:latin typeface="Times New Roman" panose="02020603050405020304" pitchFamily="18" charset="0"/>
+                <a:cs typeface="Times New Roman" panose="02020603050405020304" pitchFamily="18" charset="0"/>
+              </a:rPr>
+              <a:t>MAVROS</a:t>
+            </a:r>
+            <a:endParaRPr lang="zh-CN" altLang="en-US" dirty="0">
+              <a:solidFill>
+                <a:schemeClr val="tx1"/>
+              </a:solidFill>
+              <a:latin typeface="Times New Roman" panose="02020603050405020304" pitchFamily="18" charset="0"/>
+              <a:cs typeface="Times New Roman" panose="02020603050405020304" pitchFamily="18" charset="0"/>
+            </a:endParaRPr>
+          </a:p>
+        </p:txBody>
+      </p:sp>
+      <p:sp>
+        <p:nvSpPr>
+          <p:cNvPr id="10" name="矩形 9">
+            <a:extLst>
+              <a:ext uri="{FF2B5EF4-FFF2-40B4-BE49-F238E27FC236}">
+                <a16:creationId xmlns:a16="http://schemas.microsoft.com/office/drawing/2014/main" id="{5763A908-2E7B-4D25-81D5-366B59FC1ED1}"/>
+              </a:ext>
+            </a:extLst>
+          </p:cNvPr>
+          <p:cNvSpPr/>
+          <p:nvPr/>
+        </p:nvSpPr>
+        <p:spPr>
+          <a:xfrm>
+            <a:off x="1586372" y="2485100"/>
+            <a:ext cx="2472071" cy="211751"/>
+          </a:xfrm>
+          <a:prstGeom prst="rect">
+            <a:avLst/>
+          </a:prstGeom>
+          <a:noFill/>
+          <a:ln w="19050">
+            <a:solidFill>
+              <a:schemeClr val="tx1"/>
+            </a:solidFill>
+          </a:ln>
+        </p:spPr>
+        <p:style>
+          <a:lnRef idx="2">
+            <a:schemeClr val="accent1">
+              <a:shade val="50000"/>
+            </a:schemeClr>
+          </a:lnRef>
+          <a:fillRef idx="1">
+            <a:schemeClr val="accent1"/>
+          </a:fillRef>
+          <a:effectRef idx="0">
+            <a:schemeClr val="accent1"/>
+          </a:effectRef>
+          <a:fontRef idx="minor">
+            <a:schemeClr val="lt1"/>
+          </a:fontRef>
+        </p:style>
+        <p:txBody>
+          <a:bodyPr numCol="1" rtlCol="0" anchor="ctr"/>
+          <a:lstStyle/>
+          <a:p>
+            <a:r>
+              <a:rPr lang="en-US" altLang="zh-CN" sz="1400" dirty="0">
+                <a:solidFill>
+                  <a:schemeClr val="tx1"/>
+                </a:solidFill>
+                <a:latin typeface="Times New Roman" panose="02020603050405020304" pitchFamily="18" charset="0"/>
+                <a:cs typeface="Times New Roman" panose="02020603050405020304" pitchFamily="18" charset="0"/>
+              </a:rPr>
+              <a:t>NODE2</a:t>
+            </a:r>
+            <a:endParaRPr lang="zh-CN" altLang="en-US" sz="1400" dirty="0">
+              <a:solidFill>
+                <a:schemeClr val="tx1"/>
+              </a:solidFill>
+              <a:latin typeface="Times New Roman" panose="02020603050405020304" pitchFamily="18" charset="0"/>
+              <a:cs typeface="Times New Roman" panose="02020603050405020304" pitchFamily="18" charset="0"/>
+            </a:endParaRPr>
+          </a:p>
+        </p:txBody>
+      </p:sp>
+      <p:cxnSp>
+        <p:nvCxnSpPr>
+          <p:cNvPr id="11" name="直接箭头连接符 10">
+            <a:extLst>
+              <a:ext uri="{FF2B5EF4-FFF2-40B4-BE49-F238E27FC236}">
+                <a16:creationId xmlns:a16="http://schemas.microsoft.com/office/drawing/2014/main" id="{3737A705-A52B-4A78-946C-478F78F231F1}"/>
+              </a:ext>
+            </a:extLst>
+          </p:cNvPr>
+          <p:cNvCxnSpPr>
+            <a:cxnSpLocks/>
+          </p:cNvCxnSpPr>
+          <p:nvPr/>
+        </p:nvCxnSpPr>
+        <p:spPr>
+          <a:xfrm flipV="1">
+            <a:off x="3486262" y="2104916"/>
+            <a:ext cx="0" cy="380184"/>
+          </a:xfrm>
+          <a:prstGeom prst="straightConnector1">
+            <a:avLst/>
+          </a:prstGeom>
+          <a:ln>
+            <a:prstDash val="sysDash"/>
+            <a:tailEnd type="triangle"/>
+          </a:ln>
+        </p:spPr>
+        <p:style>
+          <a:lnRef idx="3">
+            <a:schemeClr val="dk1"/>
+          </a:lnRef>
+          <a:fillRef idx="0">
+            <a:schemeClr val="dk1"/>
+          </a:fillRef>
+          <a:effectRef idx="2">
+            <a:schemeClr val="dk1"/>
+          </a:effectRef>
+          <a:fontRef idx="minor">
+            <a:schemeClr val="tx1"/>
+          </a:fontRef>
+        </p:style>
+      </p:cxnSp>
+      <p:cxnSp>
+        <p:nvCxnSpPr>
+          <p:cNvPr id="12" name="直接箭头连接符 11">
+            <a:extLst>
+              <a:ext uri="{FF2B5EF4-FFF2-40B4-BE49-F238E27FC236}">
+                <a16:creationId xmlns:a16="http://schemas.microsoft.com/office/drawing/2014/main" id="{53C0F65F-65AC-49F1-B2DB-3AEF5EF3A758}"/>
+              </a:ext>
+            </a:extLst>
+          </p:cNvPr>
+          <p:cNvCxnSpPr>
+            <a:cxnSpLocks/>
+          </p:cNvCxnSpPr>
+          <p:nvPr/>
+        </p:nvCxnSpPr>
+        <p:spPr>
+          <a:xfrm>
+            <a:off x="2156226" y="2104916"/>
+            <a:ext cx="0" cy="380184"/>
+          </a:xfrm>
+          <a:prstGeom prst="straightConnector1">
+            <a:avLst/>
+          </a:prstGeom>
+          <a:ln>
+            <a:prstDash val="sysDash"/>
+            <a:tailEnd type="triangle"/>
+          </a:ln>
+        </p:spPr>
+        <p:style>
+          <a:lnRef idx="3">
+            <a:schemeClr val="dk1"/>
+          </a:lnRef>
+          <a:fillRef idx="0">
+            <a:schemeClr val="dk1"/>
+          </a:fillRef>
+          <a:effectRef idx="2">
+            <a:schemeClr val="dk1"/>
+          </a:effectRef>
+          <a:fontRef idx="minor">
+            <a:schemeClr val="tx1"/>
+          </a:fontRef>
+        </p:style>
+      </p:cxnSp>
+      <p:sp>
+        <p:nvSpPr>
+          <p:cNvPr id="13" name="矩形 12">
+            <a:extLst>
+              <a:ext uri="{FF2B5EF4-FFF2-40B4-BE49-F238E27FC236}">
+                <a16:creationId xmlns:a16="http://schemas.microsoft.com/office/drawing/2014/main" id="{BB6000A8-36EE-43F5-9201-B77C583B38FE}"/>
+              </a:ext>
+            </a:extLst>
+          </p:cNvPr>
+          <p:cNvSpPr/>
+          <p:nvPr/>
+        </p:nvSpPr>
+        <p:spPr>
+          <a:xfrm>
+            <a:off x="1903301" y="474203"/>
+            <a:ext cx="2233159" cy="442812"/>
+          </a:xfrm>
+          <a:prstGeom prst="rect">
+            <a:avLst/>
+          </a:prstGeom>
+          <a:noFill/>
+          <a:ln w="19050">
+            <a:solidFill>
+              <a:schemeClr val="tx2">
+                <a:lumMod val="60000"/>
+                <a:lumOff val="40000"/>
+              </a:schemeClr>
+            </a:solidFill>
+          </a:ln>
+        </p:spPr>
+        <p:style>
+          <a:lnRef idx="2">
+            <a:schemeClr val="accent1">
+              <a:shade val="50000"/>
+            </a:schemeClr>
+          </a:lnRef>
+          <a:fillRef idx="1">
+            <a:schemeClr val="accent1"/>
+          </a:fillRef>
+          <a:effectRef idx="0">
+            <a:schemeClr val="accent1"/>
+          </a:effectRef>
+          <a:fontRef idx="minor">
+            <a:schemeClr val="lt1"/>
+          </a:fontRef>
+        </p:style>
+        <p:txBody>
+          <a:bodyPr numCol="1" rtlCol="0" anchor="ctr"/>
+          <a:lstStyle/>
+          <a:p>
+            <a:pPr algn="ctr"/>
+            <a:r>
+              <a:rPr lang="en-US" altLang="zh-CN" dirty="0">
+                <a:solidFill>
+                  <a:schemeClr val="accent1"/>
+                </a:solidFill>
+                <a:latin typeface="Times New Roman" panose="02020603050405020304" pitchFamily="18" charset="0"/>
+                <a:cs typeface="Times New Roman" panose="02020603050405020304" pitchFamily="18" charset="0"/>
+              </a:rPr>
+              <a:t>ROS</a:t>
+            </a:r>
+            <a:endParaRPr lang="zh-CN" altLang="en-US" dirty="0">
+              <a:solidFill>
+                <a:schemeClr val="accent1"/>
+              </a:solidFill>
+              <a:latin typeface="Times New Roman" panose="02020603050405020304" pitchFamily="18" charset="0"/>
+              <a:cs typeface="Times New Roman" panose="02020603050405020304" pitchFamily="18" charset="0"/>
+            </a:endParaRPr>
+          </a:p>
+        </p:txBody>
+      </p:sp>
+      <p:sp>
+        <p:nvSpPr>
+          <p:cNvPr id="18" name="矩形 17">
+            <a:extLst>
+              <a:ext uri="{FF2B5EF4-FFF2-40B4-BE49-F238E27FC236}">
+                <a16:creationId xmlns:a16="http://schemas.microsoft.com/office/drawing/2014/main" id="{388DC8BD-FB0D-4137-8232-A7C4EECE28EB}"/>
+              </a:ext>
+            </a:extLst>
+          </p:cNvPr>
+          <p:cNvSpPr/>
+          <p:nvPr/>
+        </p:nvSpPr>
+        <p:spPr>
+          <a:xfrm>
+            <a:off x="7174986" y="304800"/>
+            <a:ext cx="3901954" cy="6028127"/>
+          </a:xfrm>
+          <a:prstGeom prst="rect">
+            <a:avLst/>
+          </a:prstGeom>
+          <a:noFill/>
+          <a:ln w="19050">
+            <a:solidFill>
+              <a:schemeClr val="tx2">
+                <a:lumMod val="60000"/>
+                <a:lumOff val="40000"/>
+              </a:schemeClr>
+            </a:solidFill>
+          </a:ln>
+        </p:spPr>
+        <p:style>
+          <a:lnRef idx="2">
+            <a:schemeClr val="accent1">
+              <a:shade val="50000"/>
+            </a:schemeClr>
+          </a:lnRef>
+          <a:fillRef idx="1">
+            <a:schemeClr val="accent1"/>
+          </a:fillRef>
+          <a:effectRef idx="0">
+            <a:schemeClr val="accent1"/>
+          </a:effectRef>
+          <a:fontRef idx="minor">
+            <a:schemeClr val="lt1"/>
+          </a:fontRef>
+        </p:style>
+        <p:txBody>
+          <a:bodyPr numCol="3" rtlCol="0" anchor="ctr"/>
+          <a:lstStyle/>
+          <a:p>
+            <a:endParaRPr lang="zh-CN" altLang="en-US" dirty="0">
+              <a:solidFill>
+                <a:schemeClr val="tx1"/>
+              </a:solidFill>
+              <a:latin typeface="Times New Roman" panose="02020603050405020304" pitchFamily="18" charset="0"/>
+              <a:cs typeface="Times New Roman" panose="02020603050405020304" pitchFamily="18" charset="0"/>
+            </a:endParaRPr>
+          </a:p>
+        </p:txBody>
+      </p:sp>
+      <p:sp>
+        <p:nvSpPr>
+          <p:cNvPr id="19" name="矩形 18">
+            <a:extLst>
+              <a:ext uri="{FF2B5EF4-FFF2-40B4-BE49-F238E27FC236}">
+                <a16:creationId xmlns:a16="http://schemas.microsoft.com/office/drawing/2014/main" id="{01E2EFAD-F1E0-40D7-B096-97D17298F946}"/>
+              </a:ext>
+            </a:extLst>
+          </p:cNvPr>
+          <p:cNvSpPr/>
+          <p:nvPr/>
+        </p:nvSpPr>
+        <p:spPr>
+          <a:xfrm>
+            <a:off x="8379902" y="1086418"/>
+            <a:ext cx="2351792" cy="596142"/>
+          </a:xfrm>
+          <a:prstGeom prst="rect">
+            <a:avLst/>
+          </a:prstGeom>
+          <a:noFill/>
+          <a:ln w="19050">
+            <a:solidFill>
+              <a:schemeClr val="tx1"/>
+            </a:solidFill>
+          </a:ln>
+        </p:spPr>
+        <p:style>
+          <a:lnRef idx="2">
+            <a:schemeClr val="accent1">
+              <a:shade val="50000"/>
+            </a:schemeClr>
+          </a:lnRef>
+          <a:fillRef idx="1">
+            <a:schemeClr val="accent1"/>
+          </a:fillRef>
+          <a:effectRef idx="0">
+            <a:schemeClr val="accent1"/>
+          </a:effectRef>
+          <a:fontRef idx="minor">
+            <a:schemeClr val="lt1"/>
+          </a:fontRef>
+        </p:style>
+        <p:txBody>
+          <a:bodyPr numCol="1" rtlCol="0" anchor="ctr"/>
+          <a:lstStyle/>
+          <a:p>
+            <a:pPr algn="ctr"/>
+            <a:r>
+              <a:rPr lang="en-US" altLang="zh-CN" dirty="0">
+                <a:solidFill>
+                  <a:schemeClr val="tx1"/>
+                </a:solidFill>
+                <a:latin typeface="Times New Roman" panose="02020603050405020304" pitchFamily="18" charset="0"/>
+                <a:cs typeface="Times New Roman" panose="02020603050405020304" pitchFamily="18" charset="0"/>
+              </a:rPr>
+              <a:t>mavlink_main.cpp</a:t>
+            </a:r>
+            <a:endParaRPr lang="zh-CN" altLang="en-US" dirty="0">
+              <a:solidFill>
+                <a:schemeClr val="tx1"/>
+              </a:solidFill>
+              <a:latin typeface="Times New Roman" panose="02020603050405020304" pitchFamily="18" charset="0"/>
+              <a:cs typeface="Times New Roman" panose="02020603050405020304" pitchFamily="18" charset="0"/>
+            </a:endParaRPr>
+          </a:p>
+        </p:txBody>
+      </p:sp>
+      <p:sp>
+        <p:nvSpPr>
+          <p:cNvPr id="21" name="矩形 20">
+            <a:extLst>
+              <a:ext uri="{FF2B5EF4-FFF2-40B4-BE49-F238E27FC236}">
+                <a16:creationId xmlns:a16="http://schemas.microsoft.com/office/drawing/2014/main" id="{3DA0F535-DD68-4F22-BE28-B81F22E2FA50}"/>
+              </a:ext>
+            </a:extLst>
+          </p:cNvPr>
+          <p:cNvSpPr/>
+          <p:nvPr/>
+        </p:nvSpPr>
+        <p:spPr>
+          <a:xfrm>
+            <a:off x="8379902" y="5130641"/>
+            <a:ext cx="2351792" cy="808203"/>
+          </a:xfrm>
+          <a:prstGeom prst="rect">
+            <a:avLst/>
+          </a:prstGeom>
+          <a:noFill/>
+          <a:ln w="19050">
+            <a:solidFill>
+              <a:schemeClr val="tx1"/>
+            </a:solidFill>
+          </a:ln>
+        </p:spPr>
+        <p:style>
+          <a:lnRef idx="2">
+            <a:schemeClr val="accent1">
+              <a:shade val="50000"/>
+            </a:schemeClr>
+          </a:lnRef>
+          <a:fillRef idx="1">
+            <a:schemeClr val="accent1"/>
+          </a:fillRef>
+          <a:effectRef idx="0">
+            <a:schemeClr val="accent1"/>
+          </a:effectRef>
+          <a:fontRef idx="minor">
+            <a:schemeClr val="lt1"/>
+          </a:fontRef>
+        </p:style>
+        <p:txBody>
+          <a:bodyPr numCol="1" rtlCol="0" anchor="ctr"/>
+          <a:lstStyle/>
+          <a:p>
+            <a:pPr algn="ctr"/>
+            <a:r>
+              <a:rPr lang="en-US" altLang="zh-CN" dirty="0">
+                <a:solidFill>
+                  <a:schemeClr val="tx1"/>
+                </a:solidFill>
+                <a:latin typeface="Times New Roman" panose="02020603050405020304" pitchFamily="18" charset="0"/>
+                <a:cs typeface="Times New Roman" panose="02020603050405020304" pitchFamily="18" charset="0"/>
+              </a:rPr>
+              <a:t>simulator_mavlink.cpp</a:t>
+            </a:r>
+            <a:endParaRPr lang="zh-CN" altLang="en-US" dirty="0">
+              <a:solidFill>
+                <a:schemeClr val="tx1"/>
+              </a:solidFill>
+              <a:latin typeface="Times New Roman" panose="02020603050405020304" pitchFamily="18" charset="0"/>
+              <a:cs typeface="Times New Roman" panose="02020603050405020304" pitchFamily="18" charset="0"/>
+            </a:endParaRPr>
+          </a:p>
+        </p:txBody>
+      </p:sp>
+      <p:sp>
+        <p:nvSpPr>
+          <p:cNvPr id="25" name="矩形 24">
+            <a:extLst>
+              <a:ext uri="{FF2B5EF4-FFF2-40B4-BE49-F238E27FC236}">
+                <a16:creationId xmlns:a16="http://schemas.microsoft.com/office/drawing/2014/main" id="{EDB7AD01-65A7-401B-9A78-DC41E98EA21C}"/>
+              </a:ext>
+            </a:extLst>
+          </p:cNvPr>
+          <p:cNvSpPr/>
+          <p:nvPr/>
+        </p:nvSpPr>
+        <p:spPr>
+          <a:xfrm>
+            <a:off x="7937561" y="474203"/>
+            <a:ext cx="2233159" cy="442812"/>
+          </a:xfrm>
+          <a:prstGeom prst="rect">
+            <a:avLst/>
+          </a:prstGeom>
+          <a:noFill/>
+          <a:ln w="19050">
+            <a:solidFill>
+              <a:schemeClr val="tx2">
+                <a:lumMod val="60000"/>
+                <a:lumOff val="40000"/>
+              </a:schemeClr>
+            </a:solidFill>
+          </a:ln>
+        </p:spPr>
+        <p:style>
+          <a:lnRef idx="2">
+            <a:schemeClr val="accent1">
+              <a:shade val="50000"/>
+            </a:schemeClr>
+          </a:lnRef>
+          <a:fillRef idx="1">
+            <a:schemeClr val="accent1"/>
+          </a:fillRef>
+          <a:effectRef idx="0">
+            <a:schemeClr val="accent1"/>
+          </a:effectRef>
+          <a:fontRef idx="minor">
+            <a:schemeClr val="lt1"/>
+          </a:fontRef>
+        </p:style>
+        <p:txBody>
+          <a:bodyPr numCol="1" rtlCol="0" anchor="ctr"/>
+          <a:lstStyle/>
+          <a:p>
+            <a:pPr algn="ctr"/>
+            <a:r>
+              <a:rPr lang="en-US" altLang="zh-CN" dirty="0">
+                <a:solidFill>
+                  <a:schemeClr val="accent1"/>
+                </a:solidFill>
+                <a:latin typeface="Times New Roman" panose="02020603050405020304" pitchFamily="18" charset="0"/>
+                <a:cs typeface="Times New Roman" panose="02020603050405020304" pitchFamily="18" charset="0"/>
+              </a:rPr>
+              <a:t>PX4 on SITL</a:t>
+            </a:r>
+            <a:endParaRPr lang="zh-CN" altLang="en-US" dirty="0">
+              <a:solidFill>
+                <a:schemeClr val="accent1"/>
+              </a:solidFill>
+              <a:latin typeface="Times New Roman" panose="02020603050405020304" pitchFamily="18" charset="0"/>
+              <a:cs typeface="Times New Roman" panose="02020603050405020304" pitchFamily="18" charset="0"/>
+            </a:endParaRPr>
+          </a:p>
+        </p:txBody>
+      </p:sp>
+      <p:sp>
+        <p:nvSpPr>
+          <p:cNvPr id="27" name="文本框 26">
+            <a:extLst>
+              <a:ext uri="{FF2B5EF4-FFF2-40B4-BE49-F238E27FC236}">
+                <a16:creationId xmlns:a16="http://schemas.microsoft.com/office/drawing/2014/main" id="{20810F7C-8E21-4E37-BA08-6F28492E77B5}"/>
+              </a:ext>
+            </a:extLst>
+          </p:cNvPr>
+          <p:cNvSpPr txBox="1"/>
+          <p:nvPr/>
+        </p:nvSpPr>
+        <p:spPr>
+          <a:xfrm>
+            <a:off x="4190843" y="5141592"/>
+            <a:ext cx="461665" cy="797252"/>
+          </a:xfrm>
+          <a:prstGeom prst="rect">
+            <a:avLst/>
+          </a:prstGeom>
+          <a:solidFill>
+            <a:schemeClr val="bg1">
+              <a:lumMod val="95000"/>
+            </a:schemeClr>
+          </a:solidFill>
+          <a:ln w="19050">
+            <a:solidFill>
+              <a:schemeClr val="tx1"/>
+            </a:solidFill>
+          </a:ln>
+        </p:spPr>
+        <p:txBody>
+          <a:bodyPr vert="eaVert" wrap="square" rtlCol="0">
+            <a:spAutoFit/>
+          </a:bodyPr>
+          <a:lstStyle/>
+          <a:p>
+            <a:pPr algn="ctr"/>
+            <a:r>
+              <a:rPr lang="en-US" altLang="zh-CN" dirty="0">
+                <a:latin typeface="Times New Roman" panose="02020603050405020304" pitchFamily="18" charset="0"/>
+                <a:cs typeface="Times New Roman" panose="02020603050405020304" pitchFamily="18" charset="0"/>
+              </a:rPr>
+              <a:t>UDP</a:t>
+            </a:r>
+            <a:endParaRPr lang="zh-CN" altLang="en-US" dirty="0">
+              <a:latin typeface="Times New Roman" panose="02020603050405020304" pitchFamily="18" charset="0"/>
+              <a:cs typeface="Times New Roman" panose="02020603050405020304" pitchFamily="18" charset="0"/>
+            </a:endParaRPr>
+          </a:p>
+        </p:txBody>
+      </p:sp>
+      <p:sp>
+        <p:nvSpPr>
+          <p:cNvPr id="28" name="矩形 27">
+            <a:extLst>
+              <a:ext uri="{FF2B5EF4-FFF2-40B4-BE49-F238E27FC236}">
+                <a16:creationId xmlns:a16="http://schemas.microsoft.com/office/drawing/2014/main" id="{29DE2CB5-ACC2-4B0B-992A-E82B172FE733}"/>
+              </a:ext>
+            </a:extLst>
+          </p:cNvPr>
+          <p:cNvSpPr/>
+          <p:nvPr/>
+        </p:nvSpPr>
+        <p:spPr>
+          <a:xfrm>
+            <a:off x="1400449" y="4791600"/>
+            <a:ext cx="3252060" cy="1521007"/>
+          </a:xfrm>
+          <a:prstGeom prst="rect">
+            <a:avLst/>
+          </a:prstGeom>
+          <a:noFill/>
+          <a:ln w="19050">
+            <a:solidFill>
+              <a:schemeClr val="tx2">
+                <a:lumMod val="60000"/>
+                <a:lumOff val="40000"/>
+              </a:schemeClr>
+            </a:solidFill>
+          </a:ln>
+        </p:spPr>
+        <p:style>
+          <a:lnRef idx="2">
+            <a:schemeClr val="accent1">
+              <a:shade val="50000"/>
+            </a:schemeClr>
+          </a:lnRef>
+          <a:fillRef idx="1">
+            <a:schemeClr val="accent1"/>
+          </a:fillRef>
+          <a:effectRef idx="0">
+            <a:schemeClr val="accent1"/>
+          </a:effectRef>
+          <a:fontRef idx="minor">
+            <a:schemeClr val="lt1"/>
+          </a:fontRef>
+        </p:style>
+        <p:txBody>
+          <a:bodyPr numCol="3" rtlCol="0" anchor="ctr"/>
+          <a:lstStyle/>
+          <a:p>
+            <a:endParaRPr lang="zh-CN" altLang="en-US" dirty="0">
+              <a:solidFill>
+                <a:schemeClr val="tx1"/>
+              </a:solidFill>
+              <a:latin typeface="Times New Roman" panose="02020603050405020304" pitchFamily="18" charset="0"/>
+              <a:cs typeface="Times New Roman" panose="02020603050405020304" pitchFamily="18" charset="0"/>
+            </a:endParaRPr>
+          </a:p>
+        </p:txBody>
+      </p:sp>
+      <p:sp>
+        <p:nvSpPr>
+          <p:cNvPr id="31" name="矩形 30">
+            <a:extLst>
+              <a:ext uri="{FF2B5EF4-FFF2-40B4-BE49-F238E27FC236}">
+                <a16:creationId xmlns:a16="http://schemas.microsoft.com/office/drawing/2014/main" id="{6E583FF3-D8C8-4375-AD61-5BBFD8E64975}"/>
+              </a:ext>
+            </a:extLst>
+          </p:cNvPr>
+          <p:cNvSpPr/>
+          <p:nvPr/>
+        </p:nvSpPr>
+        <p:spPr>
+          <a:xfrm>
+            <a:off x="1895860" y="4922300"/>
+            <a:ext cx="2143401" cy="442812"/>
+          </a:xfrm>
+          <a:prstGeom prst="rect">
+            <a:avLst/>
+          </a:prstGeom>
+          <a:noFill/>
+          <a:ln w="19050">
+            <a:solidFill>
+              <a:schemeClr val="tx2">
+                <a:lumMod val="60000"/>
+                <a:lumOff val="40000"/>
+              </a:schemeClr>
+            </a:solidFill>
+          </a:ln>
+        </p:spPr>
+        <p:style>
+          <a:lnRef idx="2">
+            <a:schemeClr val="accent1">
+              <a:shade val="50000"/>
+            </a:schemeClr>
+          </a:lnRef>
+          <a:fillRef idx="1">
+            <a:schemeClr val="accent1"/>
+          </a:fillRef>
+          <a:effectRef idx="0">
+            <a:schemeClr val="accent1"/>
+          </a:effectRef>
+          <a:fontRef idx="minor">
+            <a:schemeClr val="lt1"/>
+          </a:fontRef>
+        </p:style>
+        <p:txBody>
+          <a:bodyPr numCol="1" rtlCol="0" anchor="ctr"/>
+          <a:lstStyle/>
+          <a:p>
+            <a:pPr algn="ctr"/>
+            <a:r>
+              <a:rPr lang="en-US" altLang="zh-CN" dirty="0">
+                <a:solidFill>
+                  <a:schemeClr val="accent1"/>
+                </a:solidFill>
+                <a:latin typeface="Times New Roman" panose="02020603050405020304" pitchFamily="18" charset="0"/>
+                <a:cs typeface="Times New Roman" panose="02020603050405020304" pitchFamily="18" charset="0"/>
+              </a:rPr>
+              <a:t>Gazebo Simulator</a:t>
+            </a:r>
+            <a:endParaRPr lang="zh-CN" altLang="en-US" dirty="0">
+              <a:solidFill>
+                <a:schemeClr val="accent1"/>
+              </a:solidFill>
+              <a:latin typeface="Times New Roman" panose="02020603050405020304" pitchFamily="18" charset="0"/>
+              <a:cs typeface="Times New Roman" panose="02020603050405020304" pitchFamily="18" charset="0"/>
+            </a:endParaRPr>
+          </a:p>
+        </p:txBody>
+      </p:sp>
+      <p:sp>
+        <p:nvSpPr>
+          <p:cNvPr id="40" name="文本框 39">
+            <a:extLst>
+              <a:ext uri="{FF2B5EF4-FFF2-40B4-BE49-F238E27FC236}">
+                <a16:creationId xmlns:a16="http://schemas.microsoft.com/office/drawing/2014/main" id="{9CF2D416-A112-4C64-9E7D-06EEA61A52E2}"/>
+              </a:ext>
+            </a:extLst>
+          </p:cNvPr>
+          <p:cNvSpPr txBox="1"/>
+          <p:nvPr/>
+        </p:nvSpPr>
+        <p:spPr>
+          <a:xfrm>
+            <a:off x="4190843" y="2460587"/>
+            <a:ext cx="461665" cy="797252"/>
+          </a:xfrm>
+          <a:prstGeom prst="rect">
+            <a:avLst/>
+          </a:prstGeom>
+          <a:solidFill>
+            <a:schemeClr val="bg1">
+              <a:lumMod val="95000"/>
+            </a:schemeClr>
+          </a:solidFill>
+          <a:ln w="19050">
+            <a:solidFill>
+              <a:schemeClr val="tx1"/>
+            </a:solidFill>
+          </a:ln>
+        </p:spPr>
+        <p:txBody>
+          <a:bodyPr vert="eaVert" wrap="square" rtlCol="0">
+            <a:spAutoFit/>
+          </a:bodyPr>
+          <a:lstStyle/>
+          <a:p>
+            <a:pPr algn="ctr"/>
+            <a:r>
+              <a:rPr lang="en-US" altLang="zh-CN" dirty="0">
+                <a:latin typeface="Times New Roman" panose="02020603050405020304" pitchFamily="18" charset="0"/>
+                <a:cs typeface="Times New Roman" panose="02020603050405020304" pitchFamily="18" charset="0"/>
+              </a:rPr>
+              <a:t>UDP</a:t>
+            </a:r>
+            <a:endParaRPr lang="zh-CN" altLang="en-US" dirty="0">
+              <a:latin typeface="Times New Roman" panose="02020603050405020304" pitchFamily="18" charset="0"/>
+              <a:cs typeface="Times New Roman" panose="02020603050405020304" pitchFamily="18" charset="0"/>
+            </a:endParaRPr>
+          </a:p>
+        </p:txBody>
+      </p:sp>
+      <p:sp>
+        <p:nvSpPr>
+          <p:cNvPr id="48" name="文本框 47">
+            <a:extLst>
+              <a:ext uri="{FF2B5EF4-FFF2-40B4-BE49-F238E27FC236}">
+                <a16:creationId xmlns:a16="http://schemas.microsoft.com/office/drawing/2014/main" id="{B2972BF9-3E66-4A8A-B404-A0D081E17C8B}"/>
+              </a:ext>
+            </a:extLst>
+          </p:cNvPr>
+          <p:cNvSpPr txBox="1"/>
+          <p:nvPr/>
+        </p:nvSpPr>
+        <p:spPr>
+          <a:xfrm>
+            <a:off x="4184246" y="3832908"/>
+            <a:ext cx="461665" cy="599041"/>
+          </a:xfrm>
+          <a:prstGeom prst="rect">
+            <a:avLst/>
+          </a:prstGeom>
+          <a:solidFill>
+            <a:schemeClr val="bg1">
+              <a:lumMod val="95000"/>
+            </a:schemeClr>
+          </a:solidFill>
+          <a:ln w="19050">
+            <a:solidFill>
+              <a:schemeClr val="tx1"/>
+            </a:solidFill>
+          </a:ln>
+        </p:spPr>
+        <p:txBody>
+          <a:bodyPr vert="eaVert" wrap="square" rtlCol="0">
+            <a:spAutoFit/>
+          </a:bodyPr>
+          <a:lstStyle/>
+          <a:p>
+            <a:pPr algn="ctr"/>
+            <a:r>
+              <a:rPr lang="en-US" altLang="zh-CN" dirty="0">
+                <a:latin typeface="Times New Roman" panose="02020603050405020304" pitchFamily="18" charset="0"/>
+                <a:cs typeface="Times New Roman" panose="02020603050405020304" pitchFamily="18" charset="0"/>
+              </a:rPr>
+              <a:t>UDP</a:t>
+            </a:r>
+            <a:endParaRPr lang="zh-CN" altLang="en-US" dirty="0">
+              <a:latin typeface="Times New Roman" panose="02020603050405020304" pitchFamily="18" charset="0"/>
+              <a:cs typeface="Times New Roman" panose="02020603050405020304" pitchFamily="18" charset="0"/>
+            </a:endParaRPr>
+          </a:p>
+        </p:txBody>
+      </p:sp>
+      <p:sp>
+        <p:nvSpPr>
+          <p:cNvPr id="49" name="矩形 48">
+            <a:extLst>
+              <a:ext uri="{FF2B5EF4-FFF2-40B4-BE49-F238E27FC236}">
+                <a16:creationId xmlns:a16="http://schemas.microsoft.com/office/drawing/2014/main" id="{44989920-3A13-4BFE-B420-51A847473552}"/>
+              </a:ext>
+            </a:extLst>
+          </p:cNvPr>
+          <p:cNvSpPr/>
+          <p:nvPr/>
+        </p:nvSpPr>
+        <p:spPr>
+          <a:xfrm>
+            <a:off x="1393851" y="3696220"/>
+            <a:ext cx="3252060" cy="872418"/>
+          </a:xfrm>
+          <a:prstGeom prst="rect">
+            <a:avLst/>
+          </a:prstGeom>
+          <a:noFill/>
+          <a:ln w="19050">
+            <a:solidFill>
+              <a:schemeClr val="tx2">
+                <a:lumMod val="60000"/>
+                <a:lumOff val="40000"/>
+              </a:schemeClr>
+            </a:solidFill>
+          </a:ln>
+        </p:spPr>
+        <p:style>
+          <a:lnRef idx="2">
+            <a:schemeClr val="accent1">
+              <a:shade val="50000"/>
+            </a:schemeClr>
+          </a:lnRef>
+          <a:fillRef idx="1">
+            <a:schemeClr val="accent1"/>
+          </a:fillRef>
+          <a:effectRef idx="0">
+            <a:schemeClr val="accent1"/>
+          </a:effectRef>
+          <a:fontRef idx="minor">
+            <a:schemeClr val="lt1"/>
+          </a:fontRef>
+        </p:style>
+        <p:txBody>
+          <a:bodyPr numCol="3" rtlCol="0" anchor="ctr"/>
+          <a:lstStyle/>
+          <a:p>
+            <a:endParaRPr lang="zh-CN" altLang="en-US" dirty="0">
+              <a:solidFill>
+                <a:schemeClr val="tx1"/>
+              </a:solidFill>
+              <a:latin typeface="Times New Roman" panose="02020603050405020304" pitchFamily="18" charset="0"/>
+              <a:cs typeface="Times New Roman" panose="02020603050405020304" pitchFamily="18" charset="0"/>
+            </a:endParaRPr>
+          </a:p>
+        </p:txBody>
+      </p:sp>
+      <p:sp>
+        <p:nvSpPr>
+          <p:cNvPr id="50" name="矩形 49">
+            <a:extLst>
+              <a:ext uri="{FF2B5EF4-FFF2-40B4-BE49-F238E27FC236}">
+                <a16:creationId xmlns:a16="http://schemas.microsoft.com/office/drawing/2014/main" id="{9DD33C4E-7040-41FC-AB31-F5F7395BD6BE}"/>
+              </a:ext>
+            </a:extLst>
+          </p:cNvPr>
+          <p:cNvSpPr/>
+          <p:nvPr/>
+        </p:nvSpPr>
+        <p:spPr>
+          <a:xfrm>
+            <a:off x="1742441" y="3926636"/>
+            <a:ext cx="2296820" cy="403618"/>
+          </a:xfrm>
+          <a:prstGeom prst="rect">
+            <a:avLst/>
+          </a:prstGeom>
+          <a:noFill/>
+          <a:ln w="19050">
+            <a:solidFill>
+              <a:schemeClr val="tx2">
+                <a:lumMod val="60000"/>
+                <a:lumOff val="40000"/>
+              </a:schemeClr>
+            </a:solidFill>
+          </a:ln>
+        </p:spPr>
+        <p:style>
+          <a:lnRef idx="2">
+            <a:schemeClr val="accent1">
+              <a:shade val="50000"/>
+            </a:schemeClr>
+          </a:lnRef>
+          <a:fillRef idx="1">
+            <a:schemeClr val="accent1"/>
+          </a:fillRef>
+          <a:effectRef idx="0">
+            <a:schemeClr val="accent1"/>
+          </a:effectRef>
+          <a:fontRef idx="minor">
+            <a:schemeClr val="lt1"/>
+          </a:fontRef>
+        </p:style>
+        <p:txBody>
+          <a:bodyPr numCol="1" rtlCol="0" anchor="ctr"/>
+          <a:lstStyle/>
+          <a:p>
+            <a:pPr algn="ctr"/>
+            <a:r>
+              <a:rPr lang="en-US" altLang="zh-CN" dirty="0">
+                <a:solidFill>
+                  <a:schemeClr val="accent1"/>
+                </a:solidFill>
+                <a:latin typeface="Times New Roman" panose="02020603050405020304" pitchFamily="18" charset="0"/>
+                <a:cs typeface="Times New Roman" panose="02020603050405020304" pitchFamily="18" charset="0"/>
+              </a:rPr>
+              <a:t>QGC Ground Station</a:t>
+            </a:r>
+            <a:endParaRPr lang="zh-CN" altLang="en-US" dirty="0">
+              <a:solidFill>
+                <a:schemeClr val="accent1"/>
+              </a:solidFill>
+              <a:latin typeface="Times New Roman" panose="02020603050405020304" pitchFamily="18" charset="0"/>
+              <a:cs typeface="Times New Roman" panose="02020603050405020304" pitchFamily="18" charset="0"/>
+            </a:endParaRPr>
+          </a:p>
+        </p:txBody>
+      </p:sp>
+      <p:cxnSp>
+        <p:nvCxnSpPr>
+          <p:cNvPr id="54" name="连接符: 肘形 53">
+            <a:extLst>
+              <a:ext uri="{FF2B5EF4-FFF2-40B4-BE49-F238E27FC236}">
+                <a16:creationId xmlns:a16="http://schemas.microsoft.com/office/drawing/2014/main" id="{7F646A62-3C8F-4FD8-A947-4EDEF829C1B6}"/>
+              </a:ext>
+            </a:extLst>
+          </p:cNvPr>
+          <p:cNvCxnSpPr>
+            <a:stCxn id="40" idx="3"/>
+            <a:endCxn id="19" idx="1"/>
+          </p:cNvCxnSpPr>
+          <p:nvPr/>
+        </p:nvCxnSpPr>
+        <p:spPr>
+          <a:xfrm flipV="1">
+            <a:off x="4652508" y="1384489"/>
+            <a:ext cx="3727394" cy="1474724"/>
+          </a:xfrm>
+          <a:prstGeom prst="bentConnector3">
+            <a:avLst/>
+          </a:prstGeom>
+          <a:ln w="38100">
+            <a:solidFill>
+              <a:schemeClr val="accent1">
+                <a:lumMod val="60000"/>
+                <a:lumOff val="40000"/>
+              </a:schemeClr>
+            </a:solidFill>
+            <a:prstDash val="sysDot"/>
+            <a:headEnd type="triangle"/>
+            <a:tailEnd type="triangle"/>
+          </a:ln>
+        </p:spPr>
+        <p:style>
+          <a:lnRef idx="1">
+            <a:schemeClr val="accent1"/>
+          </a:lnRef>
+          <a:fillRef idx="0">
+            <a:schemeClr val="accent1"/>
+          </a:fillRef>
+          <a:effectRef idx="0">
+            <a:schemeClr val="accent1"/>
+          </a:effectRef>
+          <a:fontRef idx="minor">
+            <a:schemeClr val="tx1"/>
+          </a:fontRef>
+        </p:style>
+      </p:cxnSp>
+      <p:cxnSp>
+        <p:nvCxnSpPr>
+          <p:cNvPr id="56" name="连接符: 肘形 55">
+            <a:extLst>
+              <a:ext uri="{FF2B5EF4-FFF2-40B4-BE49-F238E27FC236}">
+                <a16:creationId xmlns:a16="http://schemas.microsoft.com/office/drawing/2014/main" id="{B2C05271-6319-4918-AA99-36C1B7FE732A}"/>
+              </a:ext>
+            </a:extLst>
+          </p:cNvPr>
+          <p:cNvCxnSpPr>
+            <a:stCxn id="49" idx="3"/>
+            <a:endCxn id="19" idx="1"/>
+          </p:cNvCxnSpPr>
+          <p:nvPr/>
+        </p:nvCxnSpPr>
+        <p:spPr>
+          <a:xfrm flipV="1">
+            <a:off x="4645911" y="1384489"/>
+            <a:ext cx="3733991" cy="2747940"/>
+          </a:xfrm>
+          <a:prstGeom prst="bentConnector3">
+            <a:avLst>
+              <a:gd name="adj1" fmla="val 50000"/>
+            </a:avLst>
+          </a:prstGeom>
+          <a:ln w="38100">
+            <a:solidFill>
+              <a:schemeClr val="accent1">
+                <a:lumMod val="60000"/>
+                <a:lumOff val="40000"/>
+              </a:schemeClr>
+            </a:solidFill>
+            <a:prstDash val="sysDot"/>
+            <a:headEnd type="triangle"/>
+            <a:tailEnd type="triangle"/>
+          </a:ln>
+        </p:spPr>
+        <p:style>
+          <a:lnRef idx="1">
+            <a:schemeClr val="accent1"/>
+          </a:lnRef>
+          <a:fillRef idx="0">
+            <a:schemeClr val="accent1"/>
+          </a:fillRef>
+          <a:effectRef idx="0">
+            <a:schemeClr val="accent1"/>
+          </a:effectRef>
+          <a:fontRef idx="minor">
+            <a:schemeClr val="tx1"/>
+          </a:fontRef>
+        </p:style>
+      </p:cxnSp>
+      <p:cxnSp>
+        <p:nvCxnSpPr>
+          <p:cNvPr id="58" name="直接箭头连接符 57">
+            <a:extLst>
+              <a:ext uri="{FF2B5EF4-FFF2-40B4-BE49-F238E27FC236}">
+                <a16:creationId xmlns:a16="http://schemas.microsoft.com/office/drawing/2014/main" id="{793A934F-8259-4EAB-A89D-E89919BFB605}"/>
+              </a:ext>
+            </a:extLst>
+          </p:cNvPr>
+          <p:cNvCxnSpPr>
+            <a:cxnSpLocks/>
+            <a:stCxn id="28" idx="3"/>
+            <a:endCxn id="21" idx="1"/>
+          </p:cNvCxnSpPr>
+          <p:nvPr/>
+        </p:nvCxnSpPr>
+        <p:spPr>
+          <a:xfrm flipV="1">
+            <a:off x="4652509" y="5534743"/>
+            <a:ext cx="3727393" cy="17361"/>
+          </a:xfrm>
+          <a:prstGeom prst="straightConnector1">
+            <a:avLst/>
+          </a:prstGeom>
+          <a:ln w="38100">
+            <a:solidFill>
+              <a:schemeClr val="accent1">
+                <a:lumMod val="60000"/>
+                <a:lumOff val="40000"/>
+              </a:schemeClr>
+            </a:solidFill>
+            <a:prstDash val="sysDot"/>
+            <a:headEnd type="triangle"/>
+            <a:tailEnd type="triangle"/>
+          </a:ln>
+        </p:spPr>
+        <p:style>
+          <a:lnRef idx="1">
+            <a:schemeClr val="accent1"/>
+          </a:lnRef>
+          <a:fillRef idx="0">
+            <a:schemeClr val="accent1"/>
+          </a:fillRef>
+          <a:effectRef idx="0">
+            <a:schemeClr val="accent1"/>
+          </a:effectRef>
+          <a:fontRef idx="minor">
+            <a:schemeClr val="tx1"/>
+          </a:fontRef>
+        </p:style>
+      </p:cxnSp>
+      <p:sp>
+        <p:nvSpPr>
+          <p:cNvPr id="35" name="文本框 34">
+            <a:extLst>
+              <a:ext uri="{FF2B5EF4-FFF2-40B4-BE49-F238E27FC236}">
+                <a16:creationId xmlns:a16="http://schemas.microsoft.com/office/drawing/2014/main" id="{2814C852-6505-44C5-BFC0-36A580B726FC}"/>
+              </a:ext>
+            </a:extLst>
+          </p:cNvPr>
+          <p:cNvSpPr txBox="1"/>
+          <p:nvPr/>
+        </p:nvSpPr>
+        <p:spPr>
+          <a:xfrm>
+            <a:off x="7280316" y="906735"/>
+            <a:ext cx="461665" cy="5087682"/>
+          </a:xfrm>
+          <a:prstGeom prst="rect">
+            <a:avLst/>
+          </a:prstGeom>
+          <a:solidFill>
+            <a:schemeClr val="bg1">
+              <a:lumMod val="95000"/>
+            </a:schemeClr>
+          </a:solidFill>
+          <a:ln w="19050">
+            <a:solidFill>
+              <a:schemeClr val="tx1"/>
+            </a:solidFill>
+          </a:ln>
+        </p:spPr>
+        <p:txBody>
+          <a:bodyPr vert="eaVert" wrap="square" rtlCol="0">
+            <a:spAutoFit/>
+          </a:bodyPr>
+          <a:lstStyle/>
+          <a:p>
+            <a:pPr algn="ctr"/>
+            <a:r>
+              <a:rPr lang="en-US" altLang="zh-CN" dirty="0">
+                <a:latin typeface="Times New Roman" panose="02020603050405020304" pitchFamily="18" charset="0"/>
+                <a:cs typeface="Times New Roman" panose="02020603050405020304" pitchFamily="18" charset="0"/>
+              </a:rPr>
+              <a:t>UDP</a:t>
+            </a:r>
+            <a:endParaRPr lang="zh-CN" altLang="en-US" dirty="0">
+              <a:latin typeface="Times New Roman" panose="02020603050405020304" pitchFamily="18" charset="0"/>
+              <a:cs typeface="Times New Roman" panose="02020603050405020304" pitchFamily="18" charset="0"/>
+            </a:endParaRPr>
+          </a:p>
+        </p:txBody>
+      </p:sp>
+      <p:sp>
+        <p:nvSpPr>
+          <p:cNvPr id="61" name="矩形 60">
+            <a:extLst>
+              <a:ext uri="{FF2B5EF4-FFF2-40B4-BE49-F238E27FC236}">
+                <a16:creationId xmlns:a16="http://schemas.microsoft.com/office/drawing/2014/main" id="{12655CB4-01D1-420A-8236-326C152C1AE1}"/>
+              </a:ext>
+            </a:extLst>
+          </p:cNvPr>
+          <p:cNvSpPr/>
+          <p:nvPr/>
+        </p:nvSpPr>
+        <p:spPr>
+          <a:xfrm>
+            <a:off x="4883624" y="2401958"/>
+            <a:ext cx="1315278" cy="378033"/>
+          </a:xfrm>
+          <a:prstGeom prst="rect">
+            <a:avLst/>
+          </a:prstGeom>
+          <a:ln>
+            <a:solidFill>
+              <a:srgbClr val="FFC000"/>
+            </a:solidFill>
+            <a:prstDash val="dash"/>
+          </a:ln>
+        </p:spPr>
+        <p:style>
+          <a:lnRef idx="2">
+            <a:schemeClr val="accent6"/>
+          </a:lnRef>
+          <a:fillRef idx="1">
+            <a:schemeClr val="lt1"/>
+          </a:fillRef>
+          <a:effectRef idx="0">
+            <a:schemeClr val="accent6"/>
+          </a:effectRef>
+          <a:fontRef idx="minor">
+            <a:schemeClr val="dk1"/>
+          </a:fontRef>
+        </p:style>
+        <p:txBody>
+          <a:bodyPr numCol="1" rtlCol="0" anchor="ctr"/>
+          <a:lstStyle/>
+          <a:p>
+            <a:pPr algn="ctr"/>
+            <a:r>
+              <a:rPr lang="en-US" altLang="zh-CN" dirty="0">
+                <a:solidFill>
+                  <a:schemeClr val="tx1"/>
+                </a:solidFill>
+                <a:latin typeface="Times New Roman" panose="02020603050405020304" pitchFamily="18" charset="0"/>
+                <a:cs typeface="Times New Roman" panose="02020603050405020304" pitchFamily="18" charset="0"/>
+              </a:rPr>
+              <a:t>port 14540</a:t>
+            </a:r>
+            <a:endParaRPr lang="zh-CN" altLang="en-US" dirty="0">
+              <a:solidFill>
+                <a:schemeClr val="tx1"/>
+              </a:solidFill>
+              <a:latin typeface="Times New Roman" panose="02020603050405020304" pitchFamily="18" charset="0"/>
+              <a:cs typeface="Times New Roman" panose="02020603050405020304" pitchFamily="18" charset="0"/>
+            </a:endParaRPr>
+          </a:p>
+        </p:txBody>
+      </p:sp>
+      <p:sp>
+        <p:nvSpPr>
+          <p:cNvPr id="62" name="矩形 61">
+            <a:extLst>
+              <a:ext uri="{FF2B5EF4-FFF2-40B4-BE49-F238E27FC236}">
+                <a16:creationId xmlns:a16="http://schemas.microsoft.com/office/drawing/2014/main" id="{4B0CF8B0-9D5E-4B38-9814-BA381209FA6B}"/>
+              </a:ext>
+            </a:extLst>
+          </p:cNvPr>
+          <p:cNvSpPr/>
+          <p:nvPr/>
+        </p:nvSpPr>
+        <p:spPr>
+          <a:xfrm>
+            <a:off x="4885167" y="3659375"/>
+            <a:ext cx="1315278" cy="378033"/>
+          </a:xfrm>
+          <a:prstGeom prst="rect">
+            <a:avLst/>
+          </a:prstGeom>
+          <a:ln>
+            <a:solidFill>
+              <a:srgbClr val="FFC000"/>
+            </a:solidFill>
+            <a:prstDash val="dash"/>
+          </a:ln>
+        </p:spPr>
+        <p:style>
+          <a:lnRef idx="2">
+            <a:schemeClr val="accent6"/>
+          </a:lnRef>
+          <a:fillRef idx="1">
+            <a:schemeClr val="lt1"/>
+          </a:fillRef>
+          <a:effectRef idx="0">
+            <a:schemeClr val="accent6"/>
+          </a:effectRef>
+          <a:fontRef idx="minor">
+            <a:schemeClr val="dk1"/>
+          </a:fontRef>
+        </p:style>
+        <p:txBody>
+          <a:bodyPr numCol="1" rtlCol="0" anchor="ctr"/>
+          <a:lstStyle/>
+          <a:p>
+            <a:pPr algn="ctr"/>
+            <a:r>
+              <a:rPr lang="en-US" altLang="zh-CN" dirty="0">
+                <a:solidFill>
+                  <a:schemeClr val="tx1"/>
+                </a:solidFill>
+                <a:latin typeface="Times New Roman" panose="02020603050405020304" pitchFamily="18" charset="0"/>
+                <a:cs typeface="Times New Roman" panose="02020603050405020304" pitchFamily="18" charset="0"/>
+              </a:rPr>
+              <a:t>port 14550</a:t>
+            </a:r>
+            <a:endParaRPr lang="zh-CN" altLang="en-US" dirty="0">
+              <a:solidFill>
+                <a:schemeClr val="tx1"/>
+              </a:solidFill>
+              <a:latin typeface="Times New Roman" panose="02020603050405020304" pitchFamily="18" charset="0"/>
+              <a:cs typeface="Times New Roman" panose="02020603050405020304" pitchFamily="18" charset="0"/>
+            </a:endParaRPr>
+          </a:p>
+        </p:txBody>
+      </p:sp>
+      <p:sp>
+        <p:nvSpPr>
+          <p:cNvPr id="63" name="矩形 62">
+            <a:extLst>
+              <a:ext uri="{FF2B5EF4-FFF2-40B4-BE49-F238E27FC236}">
+                <a16:creationId xmlns:a16="http://schemas.microsoft.com/office/drawing/2014/main" id="{41BB2E06-9A34-492E-8A81-E655F5B76A50}"/>
+              </a:ext>
+            </a:extLst>
+          </p:cNvPr>
+          <p:cNvSpPr/>
+          <p:nvPr/>
+        </p:nvSpPr>
+        <p:spPr>
+          <a:xfrm>
+            <a:off x="4889481" y="5074009"/>
+            <a:ext cx="1315278" cy="378033"/>
+          </a:xfrm>
+          <a:prstGeom prst="rect">
+            <a:avLst/>
+          </a:prstGeom>
+          <a:ln>
+            <a:solidFill>
+              <a:srgbClr val="FFC000"/>
+            </a:solidFill>
+            <a:prstDash val="dash"/>
+          </a:ln>
+        </p:spPr>
+        <p:style>
+          <a:lnRef idx="2">
+            <a:schemeClr val="accent6"/>
+          </a:lnRef>
+          <a:fillRef idx="1">
+            <a:schemeClr val="lt1"/>
+          </a:fillRef>
+          <a:effectRef idx="0">
+            <a:schemeClr val="accent6"/>
+          </a:effectRef>
+          <a:fontRef idx="minor">
+            <a:schemeClr val="dk1"/>
+          </a:fontRef>
+        </p:style>
+        <p:txBody>
+          <a:bodyPr numCol="1" rtlCol="0" anchor="ctr"/>
+          <a:lstStyle/>
+          <a:p>
+            <a:pPr algn="ctr"/>
+            <a:r>
+              <a:rPr lang="en-US" altLang="zh-CN" dirty="0">
+                <a:solidFill>
+                  <a:schemeClr val="tx1"/>
+                </a:solidFill>
+                <a:latin typeface="Times New Roman" panose="02020603050405020304" pitchFamily="18" charset="0"/>
+                <a:cs typeface="Times New Roman" panose="02020603050405020304" pitchFamily="18" charset="0"/>
+              </a:rPr>
+              <a:t>random port</a:t>
+            </a:r>
+            <a:endParaRPr lang="zh-CN" altLang="en-US" dirty="0">
+              <a:solidFill>
+                <a:schemeClr val="tx1"/>
+              </a:solidFill>
+              <a:latin typeface="Times New Roman" panose="02020603050405020304" pitchFamily="18" charset="0"/>
+              <a:cs typeface="Times New Roman" panose="02020603050405020304" pitchFamily="18" charset="0"/>
+            </a:endParaRPr>
+          </a:p>
+        </p:txBody>
+      </p:sp>
+      <p:sp>
+        <p:nvSpPr>
+          <p:cNvPr id="69" name="矩形 68">
+            <a:extLst>
+              <a:ext uri="{FF2B5EF4-FFF2-40B4-BE49-F238E27FC236}">
+                <a16:creationId xmlns:a16="http://schemas.microsoft.com/office/drawing/2014/main" id="{80CC584F-C670-4A0B-96FB-8D16FE218C10}"/>
+              </a:ext>
+            </a:extLst>
+          </p:cNvPr>
+          <p:cNvSpPr/>
+          <p:nvPr/>
+        </p:nvSpPr>
+        <p:spPr>
+          <a:xfrm>
+            <a:off x="5664128" y="4218177"/>
+            <a:ext cx="1315278" cy="378033"/>
+          </a:xfrm>
+          <a:prstGeom prst="rect">
+            <a:avLst/>
+          </a:prstGeom>
+          <a:ln>
+            <a:solidFill>
+              <a:schemeClr val="accent6">
+                <a:lumMod val="60000"/>
+                <a:lumOff val="40000"/>
+              </a:schemeClr>
+            </a:solidFill>
+            <a:prstDash val="dash"/>
+          </a:ln>
+        </p:spPr>
+        <p:style>
+          <a:lnRef idx="2">
+            <a:schemeClr val="accent6"/>
+          </a:lnRef>
+          <a:fillRef idx="1">
+            <a:schemeClr val="lt1"/>
+          </a:fillRef>
+          <a:effectRef idx="0">
+            <a:schemeClr val="accent6"/>
+          </a:effectRef>
+          <a:fontRef idx="minor">
+            <a:schemeClr val="dk1"/>
+          </a:fontRef>
+        </p:style>
+        <p:txBody>
+          <a:bodyPr numCol="1" rtlCol="0" anchor="ctr"/>
+          <a:lstStyle/>
+          <a:p>
+            <a:pPr algn="ctr"/>
+            <a:r>
+              <a:rPr lang="en-US" altLang="zh-CN" dirty="0">
+                <a:solidFill>
+                  <a:schemeClr val="tx1"/>
+                </a:solidFill>
+                <a:latin typeface="Times New Roman" panose="02020603050405020304" pitchFamily="18" charset="0"/>
+                <a:cs typeface="Times New Roman" panose="02020603050405020304" pitchFamily="18" charset="0"/>
+              </a:rPr>
+              <a:t>port 14570</a:t>
+            </a:r>
+            <a:endParaRPr lang="zh-CN" altLang="en-US" dirty="0">
+              <a:solidFill>
+                <a:schemeClr val="tx1"/>
+              </a:solidFill>
+              <a:latin typeface="Times New Roman" panose="02020603050405020304" pitchFamily="18" charset="0"/>
+              <a:cs typeface="Times New Roman" panose="02020603050405020304" pitchFamily="18" charset="0"/>
+            </a:endParaRPr>
+          </a:p>
+        </p:txBody>
+      </p:sp>
+      <p:sp>
+        <p:nvSpPr>
+          <p:cNvPr id="70" name="矩形 69">
+            <a:extLst>
+              <a:ext uri="{FF2B5EF4-FFF2-40B4-BE49-F238E27FC236}">
+                <a16:creationId xmlns:a16="http://schemas.microsoft.com/office/drawing/2014/main" id="{593CCE8E-C6D4-403E-B5C3-7B951D321FCF}"/>
+              </a:ext>
+            </a:extLst>
+          </p:cNvPr>
+          <p:cNvSpPr/>
+          <p:nvPr/>
+        </p:nvSpPr>
+        <p:spPr>
+          <a:xfrm>
+            <a:off x="5662263" y="2939870"/>
+            <a:ext cx="1315278" cy="378033"/>
+          </a:xfrm>
+          <a:prstGeom prst="rect">
+            <a:avLst/>
+          </a:prstGeom>
+          <a:ln>
+            <a:solidFill>
+              <a:schemeClr val="accent6">
+                <a:lumMod val="60000"/>
+                <a:lumOff val="40000"/>
+              </a:schemeClr>
+            </a:solidFill>
+            <a:prstDash val="dash"/>
+          </a:ln>
+        </p:spPr>
+        <p:style>
+          <a:lnRef idx="2">
+            <a:schemeClr val="accent6"/>
+          </a:lnRef>
+          <a:fillRef idx="1">
+            <a:schemeClr val="lt1"/>
+          </a:fillRef>
+          <a:effectRef idx="0">
+            <a:schemeClr val="accent6"/>
+          </a:effectRef>
+          <a:fontRef idx="minor">
+            <a:schemeClr val="dk1"/>
+          </a:fontRef>
+        </p:style>
+        <p:txBody>
+          <a:bodyPr numCol="1" rtlCol="0" anchor="ctr"/>
+          <a:lstStyle/>
+          <a:p>
+            <a:pPr algn="ctr"/>
+            <a:r>
+              <a:rPr lang="en-US" altLang="zh-CN" dirty="0">
+                <a:solidFill>
+                  <a:schemeClr val="tx1"/>
+                </a:solidFill>
+                <a:latin typeface="Times New Roman" panose="02020603050405020304" pitchFamily="18" charset="0"/>
+                <a:cs typeface="Times New Roman" panose="02020603050405020304" pitchFamily="18" charset="0"/>
+              </a:rPr>
+              <a:t>port 14580</a:t>
+            </a:r>
+            <a:endParaRPr lang="zh-CN" altLang="en-US" dirty="0">
+              <a:solidFill>
+                <a:schemeClr val="tx1"/>
+              </a:solidFill>
+              <a:latin typeface="Times New Roman" panose="02020603050405020304" pitchFamily="18" charset="0"/>
+              <a:cs typeface="Times New Roman" panose="02020603050405020304" pitchFamily="18" charset="0"/>
+            </a:endParaRPr>
+          </a:p>
+        </p:txBody>
+      </p:sp>
+      <p:sp>
+        <p:nvSpPr>
+          <p:cNvPr id="71" name="矩形 70">
+            <a:extLst>
+              <a:ext uri="{FF2B5EF4-FFF2-40B4-BE49-F238E27FC236}">
+                <a16:creationId xmlns:a16="http://schemas.microsoft.com/office/drawing/2014/main" id="{882B9EB2-8E96-491C-8CE1-2B688029C7AF}"/>
+              </a:ext>
+            </a:extLst>
+          </p:cNvPr>
+          <p:cNvSpPr/>
+          <p:nvPr/>
+        </p:nvSpPr>
+        <p:spPr>
+          <a:xfrm>
+            <a:off x="5662263" y="5630622"/>
+            <a:ext cx="1315278" cy="378033"/>
+          </a:xfrm>
+          <a:prstGeom prst="rect">
+            <a:avLst/>
+          </a:prstGeom>
+          <a:ln>
+            <a:solidFill>
+              <a:schemeClr val="accent6">
+                <a:lumMod val="60000"/>
+                <a:lumOff val="40000"/>
+              </a:schemeClr>
+            </a:solidFill>
+            <a:prstDash val="dash"/>
+          </a:ln>
+        </p:spPr>
+        <p:style>
+          <a:lnRef idx="2">
+            <a:schemeClr val="accent6"/>
+          </a:lnRef>
+          <a:fillRef idx="1">
+            <a:schemeClr val="lt1"/>
+          </a:fillRef>
+          <a:effectRef idx="0">
+            <a:schemeClr val="accent6"/>
+          </a:effectRef>
+          <a:fontRef idx="minor">
+            <a:schemeClr val="dk1"/>
+          </a:fontRef>
+        </p:style>
+        <p:txBody>
+          <a:bodyPr numCol="1" rtlCol="0" anchor="ctr"/>
+          <a:lstStyle/>
+          <a:p>
+            <a:pPr algn="ctr"/>
+            <a:r>
+              <a:rPr lang="en-US" altLang="zh-CN" dirty="0">
+                <a:solidFill>
+                  <a:schemeClr val="tx1"/>
+                </a:solidFill>
+                <a:latin typeface="Times New Roman" panose="02020603050405020304" pitchFamily="18" charset="0"/>
+                <a:cs typeface="Times New Roman" panose="02020603050405020304" pitchFamily="18" charset="0"/>
+              </a:rPr>
+              <a:t>TCP 4560</a:t>
+            </a:r>
+            <a:endParaRPr lang="zh-CN" altLang="en-US" dirty="0">
+              <a:solidFill>
+                <a:schemeClr val="tx1"/>
+              </a:solidFill>
+              <a:latin typeface="Times New Roman" panose="02020603050405020304" pitchFamily="18" charset="0"/>
+              <a:cs typeface="Times New Roman" panose="02020603050405020304" pitchFamily="18" charset="0"/>
+            </a:endParaRPr>
+          </a:p>
+        </p:txBody>
+      </p:sp>
+      <p:sp>
+        <p:nvSpPr>
+          <p:cNvPr id="73" name="矩形 72">
+            <a:extLst>
+              <a:ext uri="{FF2B5EF4-FFF2-40B4-BE49-F238E27FC236}">
+                <a16:creationId xmlns:a16="http://schemas.microsoft.com/office/drawing/2014/main" id="{A7AEA9D9-CA9B-4A98-BBE2-6CF6075A7328}"/>
+              </a:ext>
+            </a:extLst>
+          </p:cNvPr>
+          <p:cNvSpPr/>
+          <p:nvPr/>
+        </p:nvSpPr>
+        <p:spPr>
+          <a:xfrm>
+            <a:off x="5272943" y="697287"/>
+            <a:ext cx="1315278" cy="378033"/>
+          </a:xfrm>
+          <a:prstGeom prst="rect">
+            <a:avLst/>
+          </a:prstGeom>
+          <a:ln/>
+        </p:spPr>
+        <p:style>
+          <a:lnRef idx="2">
+            <a:schemeClr val="accent2">
+              <a:shade val="50000"/>
+            </a:schemeClr>
+          </a:lnRef>
+          <a:fillRef idx="1">
+            <a:schemeClr val="accent2"/>
+          </a:fillRef>
+          <a:effectRef idx="0">
+            <a:schemeClr val="accent2"/>
+          </a:effectRef>
+          <a:fontRef idx="minor">
+            <a:schemeClr val="lt1"/>
+          </a:fontRef>
+        </p:style>
+        <p:txBody>
+          <a:bodyPr numCol="1" rtlCol="0" anchor="ctr"/>
+          <a:lstStyle/>
+          <a:p>
+            <a:pPr algn="ctr"/>
+            <a:r>
+              <a:rPr lang="en-US" altLang="zh-CN" dirty="0">
+                <a:solidFill>
+                  <a:schemeClr val="tx1"/>
+                </a:solidFill>
+                <a:latin typeface="Times New Roman" panose="02020603050405020304" pitchFamily="18" charset="0"/>
+                <a:cs typeface="Times New Roman" panose="02020603050405020304" pitchFamily="18" charset="0"/>
+              </a:rPr>
+              <a:t>MAVLINK</a:t>
+            </a:r>
+            <a:endParaRPr lang="zh-CN" altLang="en-US" dirty="0">
+              <a:solidFill>
+                <a:schemeClr val="tx1"/>
+              </a:solidFill>
+              <a:latin typeface="Times New Roman" panose="02020603050405020304" pitchFamily="18" charset="0"/>
+              <a:cs typeface="Times New Roman" panose="02020603050405020304" pitchFamily="18" charset="0"/>
+            </a:endParaRPr>
+          </a:p>
+        </p:txBody>
+      </p:sp>
+    </p:spTree>
+    <p:extLst>
+      <p:ext uri="{BB962C8B-B14F-4D97-AF65-F5344CB8AC3E}">
+        <p14:creationId xmlns:p14="http://schemas.microsoft.com/office/powerpoint/2010/main" val="1866536811"/>
+      </p:ext>
+    </p:extLst>
+  </p:cSld>
+  <p:clrMapOvr>
+    <a:masterClrMapping/>
+  </p:clrMapOvr>
+</p:sld>
+</file>
+
 <file path=ppt/theme/theme1.xml><?xml version="1.0" encoding="utf-8"?>
 <a:theme xmlns:a="http://schemas.openxmlformats.org/drawingml/2006/main" name="Office 主题​​">
   <a:themeElements>
